--- a/JS_Basic/array.pptx
+++ b/JS_Basic/array.pptx
@@ -5,7 +5,7 @@
     <p:sldMasterId id="2147483648" r:id="rId1"/>
   </p:sldMasterIdLst>
   <p:notesMasterIdLst>
-    <p:notesMasterId r:id="rId26"/>
+    <p:notesMasterId r:id="rId17"/>
   </p:notesMasterIdLst>
   <p:sldIdLst>
     <p:sldId id="281" r:id="rId2"/>
@@ -22,16 +22,7 @@
     <p:sldId id="283" r:id="rId13"/>
     <p:sldId id="322" r:id="rId14"/>
     <p:sldId id="323" r:id="rId15"/>
-    <p:sldId id="308" r:id="rId16"/>
-    <p:sldId id="309" r:id="rId17"/>
-    <p:sldId id="292" r:id="rId18"/>
-    <p:sldId id="293" r:id="rId19"/>
-    <p:sldId id="294" r:id="rId20"/>
-    <p:sldId id="300" r:id="rId21"/>
-    <p:sldId id="301" r:id="rId22"/>
-    <p:sldId id="302" r:id="rId23"/>
-    <p:sldId id="311" r:id="rId24"/>
-    <p:sldId id="313" r:id="rId25"/>
+    <p:sldId id="313" r:id="rId16"/>
   </p:sldIdLst>
   <p:sldSz cx="9144000" cy="6858000" type="screen4x3"/>
   <p:notesSz cx="6858000" cy="9144000"/>
@@ -215,7 +206,7 @@
           <a:p>
             <a:fld id="{73139663-B41A-4322-9FA5-32D776E297AB}" type="datetimeFigureOut">
               <a:rPr lang="zh-TW" altLang="en-US" smtClean="0"/>
-              <a:t>2019/3/19</a:t>
+              <a:t>2019/3/27</a:t>
             </a:fld>
             <a:endParaRPr lang="zh-TW" altLang="en-US"/>
           </a:p>
@@ -766,1421 +757,6 @@
 </p:notes>
 </file>
 
-<file path=ppt/notesSlides/notesSlide10.xml><?xml version="1.0" encoding="utf-8"?>
-<p:notes xmlns:a="http://schemas.openxmlformats.org/drawingml/2006/main" xmlns:r="http://schemas.openxmlformats.org/officeDocument/2006/relationships" xmlns:p="http://schemas.openxmlformats.org/presentationml/2006/main">
-  <p:cSld>
-    <p:spTree>
-      <p:nvGrpSpPr>
-        <p:cNvPr id="1" name=""/>
-        <p:cNvGrpSpPr/>
-        <p:nvPr/>
-      </p:nvGrpSpPr>
-      <p:grpSpPr>
-        <a:xfrm>
-          <a:off x="0" y="0"/>
-          <a:ext cx="0" cy="0"/>
-          <a:chOff x="0" y="0"/>
-          <a:chExt cx="0" cy="0"/>
-        </a:xfrm>
-      </p:grpSpPr>
-      <p:sp>
-        <p:nvSpPr>
-          <p:cNvPr id="12290" name="投影片圖像版面配置區 1"/>
-          <p:cNvSpPr>
-            <a:spLocks noGrp="1" noRot="1" noChangeAspect="1" noTextEdit="1"/>
-          </p:cNvSpPr>
-          <p:nvPr>
-            <p:ph type="sldImg"/>
-          </p:nvPr>
-        </p:nvSpPr>
-        <p:spPr bwMode="auto">
-          <a:noFill/>
-          <a:ln>
-            <a:solidFill>
-              <a:srgbClr val="000000"/>
-            </a:solidFill>
-            <a:miter lim="800000"/>
-            <a:headEnd/>
-            <a:tailEnd/>
-          </a:ln>
-          <a:extLst>
-            <a:ext uri="{909E8E84-426E-40DD-AFC4-6F175D3DCCD1}">
-              <a14:hiddenFill xmlns:a14="http://schemas.microsoft.com/office/drawing/2010/main">
-                <a:solidFill>
-                  <a:srgbClr val="FFFFFF"/>
-                </a:solidFill>
-              </a14:hiddenFill>
-            </a:ext>
-          </a:extLst>
-        </p:spPr>
-      </p:sp>
-      <p:sp>
-        <p:nvSpPr>
-          <p:cNvPr id="12291" name="備忘稿版面配置區 2"/>
-          <p:cNvSpPr>
-            <a:spLocks noGrp="1"/>
-          </p:cNvSpPr>
-          <p:nvPr>
-            <p:ph type="body" idx="1"/>
-          </p:nvPr>
-        </p:nvSpPr>
-        <p:spPr bwMode="auto">
-          <a:noFill/>
-          <a:extLst>
-            <a:ext uri="{909E8E84-426E-40DD-AFC4-6F175D3DCCD1}">
-              <a14:hiddenFill xmlns:a14="http://schemas.microsoft.com/office/drawing/2010/main">
-                <a:solidFill>
-                  <a:srgbClr val="FFFFFF"/>
-                </a:solidFill>
-              </a14:hiddenFill>
-            </a:ext>
-            <a:ext uri="{91240B29-F687-4F45-9708-019B960494DF}">
-              <a14:hiddenLine xmlns:a14="http://schemas.microsoft.com/office/drawing/2010/main" w="9525">
-                <a:solidFill>
-                  <a:srgbClr val="000000"/>
-                </a:solidFill>
-                <a:miter lim="800000"/>
-                <a:headEnd/>
-                <a:tailEnd/>
-              </a14:hiddenLine>
-            </a:ext>
-          </a:extLst>
-        </p:spPr>
-        <p:txBody>
-          <a:bodyPr wrap="square" numCol="1" anchor="t" anchorCtr="0" compatLnSpc="1">
-            <a:prstTxWarp prst="textNoShape">
-              <a:avLst/>
-            </a:prstTxWarp>
-          </a:bodyPr>
-          <a:lstStyle/>
-          <a:p>
-            <a:endParaRPr lang="zh-TW" altLang="en-US" smtClean="0"/>
-          </a:p>
-        </p:txBody>
-      </p:sp>
-      <p:sp>
-        <p:nvSpPr>
-          <p:cNvPr id="12292" name="投影片編號版面配置區 3"/>
-          <p:cNvSpPr>
-            <a:spLocks noGrp="1"/>
-          </p:cNvSpPr>
-          <p:nvPr>
-            <p:ph type="sldNum" sz="quarter" idx="5"/>
-          </p:nvPr>
-        </p:nvSpPr>
-        <p:spPr bwMode="auto">
-          <a:noFill/>
-          <a:extLst>
-            <a:ext uri="{909E8E84-426E-40DD-AFC4-6F175D3DCCD1}">
-              <a14:hiddenFill xmlns:a14="http://schemas.microsoft.com/office/drawing/2010/main">
-                <a:solidFill>
-                  <a:srgbClr val="FFFFFF"/>
-                </a:solidFill>
-              </a14:hiddenFill>
-            </a:ext>
-            <a:ext uri="{91240B29-F687-4F45-9708-019B960494DF}">
-              <a14:hiddenLine xmlns:a14="http://schemas.microsoft.com/office/drawing/2010/main" w="9525">
-                <a:solidFill>
-                  <a:srgbClr val="000000"/>
-                </a:solidFill>
-                <a:miter lim="800000"/>
-                <a:headEnd/>
-                <a:tailEnd/>
-              </a14:hiddenLine>
-            </a:ext>
-          </a:extLst>
-        </p:spPr>
-        <p:txBody>
-          <a:bodyPr wrap="square" numCol="1" anchorCtr="0" compatLnSpc="1">
-            <a:prstTxWarp prst="textNoShape">
-              <a:avLst/>
-            </a:prstTxWarp>
-          </a:bodyPr>
-          <a:lstStyle>
-            <a:lvl1pPr algn="l" eaLnBrk="0" hangingPunct="0">
-              <a:spcBef>
-                <a:spcPct val="30000"/>
-              </a:spcBef>
-              <a:defRPr sz="1200">
-                <a:solidFill>
-                  <a:schemeClr val="tx1"/>
-                </a:solidFill>
-                <a:latin typeface="Calibri" pitchFamily="34" charset="0"/>
-                <a:ea typeface="新細明體" charset="-120"/>
-              </a:defRPr>
-            </a:lvl1pPr>
-            <a:lvl2pPr marL="742950" indent="-285750" algn="l" eaLnBrk="0" hangingPunct="0">
-              <a:spcBef>
-                <a:spcPct val="30000"/>
-              </a:spcBef>
-              <a:defRPr sz="1200">
-                <a:solidFill>
-                  <a:schemeClr val="tx1"/>
-                </a:solidFill>
-                <a:latin typeface="Calibri" pitchFamily="34" charset="0"/>
-                <a:ea typeface="新細明體" charset="-120"/>
-              </a:defRPr>
-            </a:lvl2pPr>
-            <a:lvl3pPr marL="1143000" indent="-228600" algn="l" eaLnBrk="0" hangingPunct="0">
-              <a:spcBef>
-                <a:spcPct val="30000"/>
-              </a:spcBef>
-              <a:defRPr sz="1200">
-                <a:solidFill>
-                  <a:schemeClr val="tx1"/>
-                </a:solidFill>
-                <a:latin typeface="Calibri" pitchFamily="34" charset="0"/>
-                <a:ea typeface="新細明體" charset="-120"/>
-              </a:defRPr>
-            </a:lvl3pPr>
-            <a:lvl4pPr marL="1600200" indent="-228600" algn="l" eaLnBrk="0" hangingPunct="0">
-              <a:spcBef>
-                <a:spcPct val="30000"/>
-              </a:spcBef>
-              <a:defRPr sz="1200">
-                <a:solidFill>
-                  <a:schemeClr val="tx1"/>
-                </a:solidFill>
-                <a:latin typeface="Calibri" pitchFamily="34" charset="0"/>
-                <a:ea typeface="新細明體" charset="-120"/>
-              </a:defRPr>
-            </a:lvl4pPr>
-            <a:lvl5pPr marL="2057400" indent="-228600" algn="l" eaLnBrk="0" hangingPunct="0">
-              <a:spcBef>
-                <a:spcPct val="30000"/>
-              </a:spcBef>
-              <a:defRPr sz="1200">
-                <a:solidFill>
-                  <a:schemeClr val="tx1"/>
-                </a:solidFill>
-                <a:latin typeface="Calibri" pitchFamily="34" charset="0"/>
-                <a:ea typeface="新細明體" charset="-120"/>
-              </a:defRPr>
-            </a:lvl5pPr>
-            <a:lvl6pPr marL="2514600" indent="-228600" eaLnBrk="0" fontAlgn="base" hangingPunct="0">
-              <a:spcBef>
-                <a:spcPct val="30000"/>
-              </a:spcBef>
-              <a:spcAft>
-                <a:spcPct val="0"/>
-              </a:spcAft>
-              <a:defRPr sz="1200">
-                <a:solidFill>
-                  <a:schemeClr val="tx1"/>
-                </a:solidFill>
-                <a:latin typeface="Calibri" pitchFamily="34" charset="0"/>
-                <a:ea typeface="新細明體" charset="-120"/>
-              </a:defRPr>
-            </a:lvl6pPr>
-            <a:lvl7pPr marL="2971800" indent="-228600" eaLnBrk="0" fontAlgn="base" hangingPunct="0">
-              <a:spcBef>
-                <a:spcPct val="30000"/>
-              </a:spcBef>
-              <a:spcAft>
-                <a:spcPct val="0"/>
-              </a:spcAft>
-              <a:defRPr sz="1200">
-                <a:solidFill>
-                  <a:schemeClr val="tx1"/>
-                </a:solidFill>
-                <a:latin typeface="Calibri" pitchFamily="34" charset="0"/>
-                <a:ea typeface="新細明體" charset="-120"/>
-              </a:defRPr>
-            </a:lvl7pPr>
-            <a:lvl8pPr marL="3429000" indent="-228600" eaLnBrk="0" fontAlgn="base" hangingPunct="0">
-              <a:spcBef>
-                <a:spcPct val="30000"/>
-              </a:spcBef>
-              <a:spcAft>
-                <a:spcPct val="0"/>
-              </a:spcAft>
-              <a:defRPr sz="1200">
-                <a:solidFill>
-                  <a:schemeClr val="tx1"/>
-                </a:solidFill>
-                <a:latin typeface="Calibri" pitchFamily="34" charset="0"/>
-                <a:ea typeface="新細明體" charset="-120"/>
-              </a:defRPr>
-            </a:lvl8pPr>
-            <a:lvl9pPr marL="3886200" indent="-228600" eaLnBrk="0" fontAlgn="base" hangingPunct="0">
-              <a:spcBef>
-                <a:spcPct val="30000"/>
-              </a:spcBef>
-              <a:spcAft>
-                <a:spcPct val="0"/>
-              </a:spcAft>
-              <a:defRPr sz="1200">
-                <a:solidFill>
-                  <a:schemeClr val="tx1"/>
-                </a:solidFill>
-                <a:latin typeface="Calibri" pitchFamily="34" charset="0"/>
-                <a:ea typeface="新細明體" charset="-120"/>
-              </a:defRPr>
-            </a:lvl9pPr>
-          </a:lstStyle>
-          <a:p>
-            <a:pPr algn="r" eaLnBrk="1" hangingPunct="1">
-              <a:spcBef>
-                <a:spcPct val="0"/>
-              </a:spcBef>
-            </a:pPr>
-            <a:fld id="{BEA04051-50CE-4EA3-90A3-25B48F1D6BBF}" type="slidenum">
-              <a:rPr lang="zh-TW" altLang="en-US" smtClean="0">
-                <a:latin typeface="Arial" charset="0"/>
-              </a:rPr>
-              <a:pPr algn="r" eaLnBrk="1" hangingPunct="1">
-                <a:spcBef>
-                  <a:spcPct val="0"/>
-                </a:spcBef>
-              </a:pPr>
-              <a:t>17</a:t>
-            </a:fld>
-            <a:endParaRPr lang="zh-TW" altLang="en-US" smtClean="0">
-              <a:latin typeface="Arial" charset="0"/>
-            </a:endParaRPr>
-          </a:p>
-        </p:txBody>
-      </p:sp>
-    </p:spTree>
-  </p:cSld>
-  <p:clrMapOvr>
-    <a:masterClrMapping/>
-  </p:clrMapOvr>
-</p:notes>
-</file>
-
-<file path=ppt/notesSlides/notesSlide11.xml><?xml version="1.0" encoding="utf-8"?>
-<p:notes xmlns:a="http://schemas.openxmlformats.org/drawingml/2006/main" xmlns:r="http://schemas.openxmlformats.org/officeDocument/2006/relationships" xmlns:p="http://schemas.openxmlformats.org/presentationml/2006/main">
-  <p:cSld>
-    <p:spTree>
-      <p:nvGrpSpPr>
-        <p:cNvPr id="1" name=""/>
-        <p:cNvGrpSpPr/>
-        <p:nvPr/>
-      </p:nvGrpSpPr>
-      <p:grpSpPr>
-        <a:xfrm>
-          <a:off x="0" y="0"/>
-          <a:ext cx="0" cy="0"/>
-          <a:chOff x="0" y="0"/>
-          <a:chExt cx="0" cy="0"/>
-        </a:xfrm>
-      </p:grpSpPr>
-      <p:sp>
-        <p:nvSpPr>
-          <p:cNvPr id="12290" name="投影片圖像版面配置區 1"/>
-          <p:cNvSpPr>
-            <a:spLocks noGrp="1" noRot="1" noChangeAspect="1" noTextEdit="1"/>
-          </p:cNvSpPr>
-          <p:nvPr>
-            <p:ph type="sldImg"/>
-          </p:nvPr>
-        </p:nvSpPr>
-        <p:spPr bwMode="auto">
-          <a:noFill/>
-          <a:ln>
-            <a:solidFill>
-              <a:srgbClr val="000000"/>
-            </a:solidFill>
-            <a:miter lim="800000"/>
-            <a:headEnd/>
-            <a:tailEnd/>
-          </a:ln>
-          <a:extLst>
-            <a:ext uri="{909E8E84-426E-40DD-AFC4-6F175D3DCCD1}">
-              <a14:hiddenFill xmlns:a14="http://schemas.microsoft.com/office/drawing/2010/main">
-                <a:solidFill>
-                  <a:srgbClr val="FFFFFF"/>
-                </a:solidFill>
-              </a14:hiddenFill>
-            </a:ext>
-          </a:extLst>
-        </p:spPr>
-      </p:sp>
-      <p:sp>
-        <p:nvSpPr>
-          <p:cNvPr id="12291" name="備忘稿版面配置區 2"/>
-          <p:cNvSpPr>
-            <a:spLocks noGrp="1"/>
-          </p:cNvSpPr>
-          <p:nvPr>
-            <p:ph type="body" idx="1"/>
-          </p:nvPr>
-        </p:nvSpPr>
-        <p:spPr bwMode="auto">
-          <a:noFill/>
-          <a:extLst>
-            <a:ext uri="{909E8E84-426E-40DD-AFC4-6F175D3DCCD1}">
-              <a14:hiddenFill xmlns:a14="http://schemas.microsoft.com/office/drawing/2010/main">
-                <a:solidFill>
-                  <a:srgbClr val="FFFFFF"/>
-                </a:solidFill>
-              </a14:hiddenFill>
-            </a:ext>
-            <a:ext uri="{91240B29-F687-4F45-9708-019B960494DF}">
-              <a14:hiddenLine xmlns:a14="http://schemas.microsoft.com/office/drawing/2010/main" w="9525">
-                <a:solidFill>
-                  <a:srgbClr val="000000"/>
-                </a:solidFill>
-                <a:miter lim="800000"/>
-                <a:headEnd/>
-                <a:tailEnd/>
-              </a14:hiddenLine>
-            </a:ext>
-          </a:extLst>
-        </p:spPr>
-        <p:txBody>
-          <a:bodyPr wrap="square" numCol="1" anchor="t" anchorCtr="0" compatLnSpc="1">
-            <a:prstTxWarp prst="textNoShape">
-              <a:avLst/>
-            </a:prstTxWarp>
-          </a:bodyPr>
-          <a:lstStyle/>
-          <a:p>
-            <a:endParaRPr lang="zh-TW" altLang="en-US" smtClean="0"/>
-          </a:p>
-        </p:txBody>
-      </p:sp>
-      <p:sp>
-        <p:nvSpPr>
-          <p:cNvPr id="12292" name="投影片編號版面配置區 3"/>
-          <p:cNvSpPr>
-            <a:spLocks noGrp="1"/>
-          </p:cNvSpPr>
-          <p:nvPr>
-            <p:ph type="sldNum" sz="quarter" idx="5"/>
-          </p:nvPr>
-        </p:nvSpPr>
-        <p:spPr bwMode="auto">
-          <a:noFill/>
-          <a:extLst>
-            <a:ext uri="{909E8E84-426E-40DD-AFC4-6F175D3DCCD1}">
-              <a14:hiddenFill xmlns:a14="http://schemas.microsoft.com/office/drawing/2010/main">
-                <a:solidFill>
-                  <a:srgbClr val="FFFFFF"/>
-                </a:solidFill>
-              </a14:hiddenFill>
-            </a:ext>
-            <a:ext uri="{91240B29-F687-4F45-9708-019B960494DF}">
-              <a14:hiddenLine xmlns:a14="http://schemas.microsoft.com/office/drawing/2010/main" w="9525">
-                <a:solidFill>
-                  <a:srgbClr val="000000"/>
-                </a:solidFill>
-                <a:miter lim="800000"/>
-                <a:headEnd/>
-                <a:tailEnd/>
-              </a14:hiddenLine>
-            </a:ext>
-          </a:extLst>
-        </p:spPr>
-        <p:txBody>
-          <a:bodyPr wrap="square" numCol="1" anchorCtr="0" compatLnSpc="1">
-            <a:prstTxWarp prst="textNoShape">
-              <a:avLst/>
-            </a:prstTxWarp>
-          </a:bodyPr>
-          <a:lstStyle>
-            <a:lvl1pPr algn="l" eaLnBrk="0" hangingPunct="0">
-              <a:spcBef>
-                <a:spcPct val="30000"/>
-              </a:spcBef>
-              <a:defRPr sz="1200">
-                <a:solidFill>
-                  <a:schemeClr val="tx1"/>
-                </a:solidFill>
-                <a:latin typeface="Calibri" pitchFamily="34" charset="0"/>
-                <a:ea typeface="新細明體" charset="-120"/>
-              </a:defRPr>
-            </a:lvl1pPr>
-            <a:lvl2pPr marL="742950" indent="-285750" algn="l" eaLnBrk="0" hangingPunct="0">
-              <a:spcBef>
-                <a:spcPct val="30000"/>
-              </a:spcBef>
-              <a:defRPr sz="1200">
-                <a:solidFill>
-                  <a:schemeClr val="tx1"/>
-                </a:solidFill>
-                <a:latin typeface="Calibri" pitchFamily="34" charset="0"/>
-                <a:ea typeface="新細明體" charset="-120"/>
-              </a:defRPr>
-            </a:lvl2pPr>
-            <a:lvl3pPr marL="1143000" indent="-228600" algn="l" eaLnBrk="0" hangingPunct="0">
-              <a:spcBef>
-                <a:spcPct val="30000"/>
-              </a:spcBef>
-              <a:defRPr sz="1200">
-                <a:solidFill>
-                  <a:schemeClr val="tx1"/>
-                </a:solidFill>
-                <a:latin typeface="Calibri" pitchFamily="34" charset="0"/>
-                <a:ea typeface="新細明體" charset="-120"/>
-              </a:defRPr>
-            </a:lvl3pPr>
-            <a:lvl4pPr marL="1600200" indent="-228600" algn="l" eaLnBrk="0" hangingPunct="0">
-              <a:spcBef>
-                <a:spcPct val="30000"/>
-              </a:spcBef>
-              <a:defRPr sz="1200">
-                <a:solidFill>
-                  <a:schemeClr val="tx1"/>
-                </a:solidFill>
-                <a:latin typeface="Calibri" pitchFamily="34" charset="0"/>
-                <a:ea typeface="新細明體" charset="-120"/>
-              </a:defRPr>
-            </a:lvl4pPr>
-            <a:lvl5pPr marL="2057400" indent="-228600" algn="l" eaLnBrk="0" hangingPunct="0">
-              <a:spcBef>
-                <a:spcPct val="30000"/>
-              </a:spcBef>
-              <a:defRPr sz="1200">
-                <a:solidFill>
-                  <a:schemeClr val="tx1"/>
-                </a:solidFill>
-                <a:latin typeface="Calibri" pitchFamily="34" charset="0"/>
-                <a:ea typeface="新細明體" charset="-120"/>
-              </a:defRPr>
-            </a:lvl5pPr>
-            <a:lvl6pPr marL="2514600" indent="-228600" eaLnBrk="0" fontAlgn="base" hangingPunct="0">
-              <a:spcBef>
-                <a:spcPct val="30000"/>
-              </a:spcBef>
-              <a:spcAft>
-                <a:spcPct val="0"/>
-              </a:spcAft>
-              <a:defRPr sz="1200">
-                <a:solidFill>
-                  <a:schemeClr val="tx1"/>
-                </a:solidFill>
-                <a:latin typeface="Calibri" pitchFamily="34" charset="0"/>
-                <a:ea typeface="新細明體" charset="-120"/>
-              </a:defRPr>
-            </a:lvl6pPr>
-            <a:lvl7pPr marL="2971800" indent="-228600" eaLnBrk="0" fontAlgn="base" hangingPunct="0">
-              <a:spcBef>
-                <a:spcPct val="30000"/>
-              </a:spcBef>
-              <a:spcAft>
-                <a:spcPct val="0"/>
-              </a:spcAft>
-              <a:defRPr sz="1200">
-                <a:solidFill>
-                  <a:schemeClr val="tx1"/>
-                </a:solidFill>
-                <a:latin typeface="Calibri" pitchFamily="34" charset="0"/>
-                <a:ea typeface="新細明體" charset="-120"/>
-              </a:defRPr>
-            </a:lvl7pPr>
-            <a:lvl8pPr marL="3429000" indent="-228600" eaLnBrk="0" fontAlgn="base" hangingPunct="0">
-              <a:spcBef>
-                <a:spcPct val="30000"/>
-              </a:spcBef>
-              <a:spcAft>
-                <a:spcPct val="0"/>
-              </a:spcAft>
-              <a:defRPr sz="1200">
-                <a:solidFill>
-                  <a:schemeClr val="tx1"/>
-                </a:solidFill>
-                <a:latin typeface="Calibri" pitchFamily="34" charset="0"/>
-                <a:ea typeface="新細明體" charset="-120"/>
-              </a:defRPr>
-            </a:lvl8pPr>
-            <a:lvl9pPr marL="3886200" indent="-228600" eaLnBrk="0" fontAlgn="base" hangingPunct="0">
-              <a:spcBef>
-                <a:spcPct val="30000"/>
-              </a:spcBef>
-              <a:spcAft>
-                <a:spcPct val="0"/>
-              </a:spcAft>
-              <a:defRPr sz="1200">
-                <a:solidFill>
-                  <a:schemeClr val="tx1"/>
-                </a:solidFill>
-                <a:latin typeface="Calibri" pitchFamily="34" charset="0"/>
-                <a:ea typeface="新細明體" charset="-120"/>
-              </a:defRPr>
-            </a:lvl9pPr>
-          </a:lstStyle>
-          <a:p>
-            <a:pPr algn="r" eaLnBrk="1" hangingPunct="1">
-              <a:spcBef>
-                <a:spcPct val="0"/>
-              </a:spcBef>
-            </a:pPr>
-            <a:fld id="{BEA04051-50CE-4EA3-90A3-25B48F1D6BBF}" type="slidenum">
-              <a:rPr lang="zh-TW" altLang="en-US" smtClean="0">
-                <a:latin typeface="Arial" charset="0"/>
-              </a:rPr>
-              <a:pPr algn="r" eaLnBrk="1" hangingPunct="1">
-                <a:spcBef>
-                  <a:spcPct val="0"/>
-                </a:spcBef>
-              </a:pPr>
-              <a:t>18</a:t>
-            </a:fld>
-            <a:endParaRPr lang="zh-TW" altLang="en-US" smtClean="0">
-              <a:latin typeface="Arial" charset="0"/>
-            </a:endParaRPr>
-          </a:p>
-        </p:txBody>
-      </p:sp>
-    </p:spTree>
-  </p:cSld>
-  <p:clrMapOvr>
-    <a:masterClrMapping/>
-  </p:clrMapOvr>
-</p:notes>
-</file>
-
-<file path=ppt/notesSlides/notesSlide12.xml><?xml version="1.0" encoding="utf-8"?>
-<p:notes xmlns:a="http://schemas.openxmlformats.org/drawingml/2006/main" xmlns:r="http://schemas.openxmlformats.org/officeDocument/2006/relationships" xmlns:p="http://schemas.openxmlformats.org/presentationml/2006/main">
-  <p:cSld>
-    <p:spTree>
-      <p:nvGrpSpPr>
-        <p:cNvPr id="1" name=""/>
-        <p:cNvGrpSpPr/>
-        <p:nvPr/>
-      </p:nvGrpSpPr>
-      <p:grpSpPr>
-        <a:xfrm>
-          <a:off x="0" y="0"/>
-          <a:ext cx="0" cy="0"/>
-          <a:chOff x="0" y="0"/>
-          <a:chExt cx="0" cy="0"/>
-        </a:xfrm>
-      </p:grpSpPr>
-      <p:sp>
-        <p:nvSpPr>
-          <p:cNvPr id="12290" name="投影片圖像版面配置區 1"/>
-          <p:cNvSpPr>
-            <a:spLocks noGrp="1" noRot="1" noChangeAspect="1" noTextEdit="1"/>
-          </p:cNvSpPr>
-          <p:nvPr>
-            <p:ph type="sldImg"/>
-          </p:nvPr>
-        </p:nvSpPr>
-        <p:spPr bwMode="auto">
-          <a:noFill/>
-          <a:ln>
-            <a:solidFill>
-              <a:srgbClr val="000000"/>
-            </a:solidFill>
-            <a:miter lim="800000"/>
-            <a:headEnd/>
-            <a:tailEnd/>
-          </a:ln>
-          <a:extLst>
-            <a:ext uri="{909E8E84-426E-40DD-AFC4-6F175D3DCCD1}">
-              <a14:hiddenFill xmlns:a14="http://schemas.microsoft.com/office/drawing/2010/main">
-                <a:solidFill>
-                  <a:srgbClr val="FFFFFF"/>
-                </a:solidFill>
-              </a14:hiddenFill>
-            </a:ext>
-          </a:extLst>
-        </p:spPr>
-      </p:sp>
-      <p:sp>
-        <p:nvSpPr>
-          <p:cNvPr id="12291" name="備忘稿版面配置區 2"/>
-          <p:cNvSpPr>
-            <a:spLocks noGrp="1"/>
-          </p:cNvSpPr>
-          <p:nvPr>
-            <p:ph type="body" idx="1"/>
-          </p:nvPr>
-        </p:nvSpPr>
-        <p:spPr bwMode="auto">
-          <a:noFill/>
-          <a:extLst>
-            <a:ext uri="{909E8E84-426E-40DD-AFC4-6F175D3DCCD1}">
-              <a14:hiddenFill xmlns:a14="http://schemas.microsoft.com/office/drawing/2010/main">
-                <a:solidFill>
-                  <a:srgbClr val="FFFFFF"/>
-                </a:solidFill>
-              </a14:hiddenFill>
-            </a:ext>
-            <a:ext uri="{91240B29-F687-4F45-9708-019B960494DF}">
-              <a14:hiddenLine xmlns:a14="http://schemas.microsoft.com/office/drawing/2010/main" w="9525">
-                <a:solidFill>
-                  <a:srgbClr val="000000"/>
-                </a:solidFill>
-                <a:miter lim="800000"/>
-                <a:headEnd/>
-                <a:tailEnd/>
-              </a14:hiddenLine>
-            </a:ext>
-          </a:extLst>
-        </p:spPr>
-        <p:txBody>
-          <a:bodyPr wrap="square" numCol="1" anchor="t" anchorCtr="0" compatLnSpc="1">
-            <a:prstTxWarp prst="textNoShape">
-              <a:avLst/>
-            </a:prstTxWarp>
-          </a:bodyPr>
-          <a:lstStyle/>
-          <a:p>
-            <a:endParaRPr lang="zh-TW" altLang="en-US" smtClean="0"/>
-          </a:p>
-        </p:txBody>
-      </p:sp>
-      <p:sp>
-        <p:nvSpPr>
-          <p:cNvPr id="12292" name="投影片編號版面配置區 3"/>
-          <p:cNvSpPr>
-            <a:spLocks noGrp="1"/>
-          </p:cNvSpPr>
-          <p:nvPr>
-            <p:ph type="sldNum" sz="quarter" idx="5"/>
-          </p:nvPr>
-        </p:nvSpPr>
-        <p:spPr bwMode="auto">
-          <a:noFill/>
-          <a:extLst>
-            <a:ext uri="{909E8E84-426E-40DD-AFC4-6F175D3DCCD1}">
-              <a14:hiddenFill xmlns:a14="http://schemas.microsoft.com/office/drawing/2010/main">
-                <a:solidFill>
-                  <a:srgbClr val="FFFFFF"/>
-                </a:solidFill>
-              </a14:hiddenFill>
-            </a:ext>
-            <a:ext uri="{91240B29-F687-4F45-9708-019B960494DF}">
-              <a14:hiddenLine xmlns:a14="http://schemas.microsoft.com/office/drawing/2010/main" w="9525">
-                <a:solidFill>
-                  <a:srgbClr val="000000"/>
-                </a:solidFill>
-                <a:miter lim="800000"/>
-                <a:headEnd/>
-                <a:tailEnd/>
-              </a14:hiddenLine>
-            </a:ext>
-          </a:extLst>
-        </p:spPr>
-        <p:txBody>
-          <a:bodyPr wrap="square" numCol="1" anchorCtr="0" compatLnSpc="1">
-            <a:prstTxWarp prst="textNoShape">
-              <a:avLst/>
-            </a:prstTxWarp>
-          </a:bodyPr>
-          <a:lstStyle>
-            <a:lvl1pPr algn="l" eaLnBrk="0" hangingPunct="0">
-              <a:spcBef>
-                <a:spcPct val="30000"/>
-              </a:spcBef>
-              <a:defRPr sz="1200">
-                <a:solidFill>
-                  <a:schemeClr val="tx1"/>
-                </a:solidFill>
-                <a:latin typeface="Calibri" pitchFamily="34" charset="0"/>
-                <a:ea typeface="新細明體" charset="-120"/>
-              </a:defRPr>
-            </a:lvl1pPr>
-            <a:lvl2pPr marL="742950" indent="-285750" algn="l" eaLnBrk="0" hangingPunct="0">
-              <a:spcBef>
-                <a:spcPct val="30000"/>
-              </a:spcBef>
-              <a:defRPr sz="1200">
-                <a:solidFill>
-                  <a:schemeClr val="tx1"/>
-                </a:solidFill>
-                <a:latin typeface="Calibri" pitchFamily="34" charset="0"/>
-                <a:ea typeface="新細明體" charset="-120"/>
-              </a:defRPr>
-            </a:lvl2pPr>
-            <a:lvl3pPr marL="1143000" indent="-228600" algn="l" eaLnBrk="0" hangingPunct="0">
-              <a:spcBef>
-                <a:spcPct val="30000"/>
-              </a:spcBef>
-              <a:defRPr sz="1200">
-                <a:solidFill>
-                  <a:schemeClr val="tx1"/>
-                </a:solidFill>
-                <a:latin typeface="Calibri" pitchFamily="34" charset="0"/>
-                <a:ea typeface="新細明體" charset="-120"/>
-              </a:defRPr>
-            </a:lvl3pPr>
-            <a:lvl4pPr marL="1600200" indent="-228600" algn="l" eaLnBrk="0" hangingPunct="0">
-              <a:spcBef>
-                <a:spcPct val="30000"/>
-              </a:spcBef>
-              <a:defRPr sz="1200">
-                <a:solidFill>
-                  <a:schemeClr val="tx1"/>
-                </a:solidFill>
-                <a:latin typeface="Calibri" pitchFamily="34" charset="0"/>
-                <a:ea typeface="新細明體" charset="-120"/>
-              </a:defRPr>
-            </a:lvl4pPr>
-            <a:lvl5pPr marL="2057400" indent="-228600" algn="l" eaLnBrk="0" hangingPunct="0">
-              <a:spcBef>
-                <a:spcPct val="30000"/>
-              </a:spcBef>
-              <a:defRPr sz="1200">
-                <a:solidFill>
-                  <a:schemeClr val="tx1"/>
-                </a:solidFill>
-                <a:latin typeface="Calibri" pitchFamily="34" charset="0"/>
-                <a:ea typeface="新細明體" charset="-120"/>
-              </a:defRPr>
-            </a:lvl5pPr>
-            <a:lvl6pPr marL="2514600" indent="-228600" eaLnBrk="0" fontAlgn="base" hangingPunct="0">
-              <a:spcBef>
-                <a:spcPct val="30000"/>
-              </a:spcBef>
-              <a:spcAft>
-                <a:spcPct val="0"/>
-              </a:spcAft>
-              <a:defRPr sz="1200">
-                <a:solidFill>
-                  <a:schemeClr val="tx1"/>
-                </a:solidFill>
-                <a:latin typeface="Calibri" pitchFamily="34" charset="0"/>
-                <a:ea typeface="新細明體" charset="-120"/>
-              </a:defRPr>
-            </a:lvl6pPr>
-            <a:lvl7pPr marL="2971800" indent="-228600" eaLnBrk="0" fontAlgn="base" hangingPunct="0">
-              <a:spcBef>
-                <a:spcPct val="30000"/>
-              </a:spcBef>
-              <a:spcAft>
-                <a:spcPct val="0"/>
-              </a:spcAft>
-              <a:defRPr sz="1200">
-                <a:solidFill>
-                  <a:schemeClr val="tx1"/>
-                </a:solidFill>
-                <a:latin typeface="Calibri" pitchFamily="34" charset="0"/>
-                <a:ea typeface="新細明體" charset="-120"/>
-              </a:defRPr>
-            </a:lvl7pPr>
-            <a:lvl8pPr marL="3429000" indent="-228600" eaLnBrk="0" fontAlgn="base" hangingPunct="0">
-              <a:spcBef>
-                <a:spcPct val="30000"/>
-              </a:spcBef>
-              <a:spcAft>
-                <a:spcPct val="0"/>
-              </a:spcAft>
-              <a:defRPr sz="1200">
-                <a:solidFill>
-                  <a:schemeClr val="tx1"/>
-                </a:solidFill>
-                <a:latin typeface="Calibri" pitchFamily="34" charset="0"/>
-                <a:ea typeface="新細明體" charset="-120"/>
-              </a:defRPr>
-            </a:lvl8pPr>
-            <a:lvl9pPr marL="3886200" indent="-228600" eaLnBrk="0" fontAlgn="base" hangingPunct="0">
-              <a:spcBef>
-                <a:spcPct val="30000"/>
-              </a:spcBef>
-              <a:spcAft>
-                <a:spcPct val="0"/>
-              </a:spcAft>
-              <a:defRPr sz="1200">
-                <a:solidFill>
-                  <a:schemeClr val="tx1"/>
-                </a:solidFill>
-                <a:latin typeface="Calibri" pitchFamily="34" charset="0"/>
-                <a:ea typeface="新細明體" charset="-120"/>
-              </a:defRPr>
-            </a:lvl9pPr>
-          </a:lstStyle>
-          <a:p>
-            <a:pPr algn="r" eaLnBrk="1" hangingPunct="1">
-              <a:spcBef>
-                <a:spcPct val="0"/>
-              </a:spcBef>
-            </a:pPr>
-            <a:fld id="{BEA04051-50CE-4EA3-90A3-25B48F1D6BBF}" type="slidenum">
-              <a:rPr lang="zh-TW" altLang="en-US" smtClean="0">
-                <a:latin typeface="Arial" charset="0"/>
-              </a:rPr>
-              <a:pPr algn="r" eaLnBrk="1" hangingPunct="1">
-                <a:spcBef>
-                  <a:spcPct val="0"/>
-                </a:spcBef>
-              </a:pPr>
-              <a:t>19</a:t>
-            </a:fld>
-            <a:endParaRPr lang="zh-TW" altLang="en-US" smtClean="0">
-              <a:latin typeface="Arial" charset="0"/>
-            </a:endParaRPr>
-          </a:p>
-        </p:txBody>
-      </p:sp>
-    </p:spTree>
-  </p:cSld>
-  <p:clrMapOvr>
-    <a:masterClrMapping/>
-  </p:clrMapOvr>
-</p:notes>
-</file>
-
-<file path=ppt/notesSlides/notesSlide13.xml><?xml version="1.0" encoding="utf-8"?>
-<p:notes xmlns:a="http://schemas.openxmlformats.org/drawingml/2006/main" xmlns:r="http://schemas.openxmlformats.org/officeDocument/2006/relationships" xmlns:p="http://schemas.openxmlformats.org/presentationml/2006/main">
-  <p:cSld>
-    <p:spTree>
-      <p:nvGrpSpPr>
-        <p:cNvPr id="1" name=""/>
-        <p:cNvGrpSpPr/>
-        <p:nvPr/>
-      </p:nvGrpSpPr>
-      <p:grpSpPr>
-        <a:xfrm>
-          <a:off x="0" y="0"/>
-          <a:ext cx="0" cy="0"/>
-          <a:chOff x="0" y="0"/>
-          <a:chExt cx="0" cy="0"/>
-        </a:xfrm>
-      </p:grpSpPr>
-      <p:sp>
-        <p:nvSpPr>
-          <p:cNvPr id="17410" name="投影片圖像版面配置區 1"/>
-          <p:cNvSpPr>
-            <a:spLocks noGrp="1" noRot="1" noChangeAspect="1" noTextEdit="1"/>
-          </p:cNvSpPr>
-          <p:nvPr>
-            <p:ph type="sldImg"/>
-          </p:nvPr>
-        </p:nvSpPr>
-        <p:spPr bwMode="auto">
-          <a:noFill/>
-          <a:ln>
-            <a:solidFill>
-              <a:srgbClr val="000000"/>
-            </a:solidFill>
-            <a:miter lim="800000"/>
-            <a:headEnd/>
-            <a:tailEnd/>
-          </a:ln>
-          <a:extLst>
-            <a:ext uri="{909E8E84-426E-40DD-AFC4-6F175D3DCCD1}">
-              <a14:hiddenFill xmlns:a14="http://schemas.microsoft.com/office/drawing/2010/main">
-                <a:solidFill>
-                  <a:srgbClr val="FFFFFF"/>
-                </a:solidFill>
-              </a14:hiddenFill>
-            </a:ext>
-          </a:extLst>
-        </p:spPr>
-      </p:sp>
-      <p:sp>
-        <p:nvSpPr>
-          <p:cNvPr id="17411" name="備忘稿版面配置區 2"/>
-          <p:cNvSpPr>
-            <a:spLocks noGrp="1"/>
-          </p:cNvSpPr>
-          <p:nvPr>
-            <p:ph type="body" idx="1"/>
-          </p:nvPr>
-        </p:nvSpPr>
-        <p:spPr bwMode="auto">
-          <a:noFill/>
-          <a:extLst>
-            <a:ext uri="{909E8E84-426E-40DD-AFC4-6F175D3DCCD1}">
-              <a14:hiddenFill xmlns:a14="http://schemas.microsoft.com/office/drawing/2010/main">
-                <a:solidFill>
-                  <a:srgbClr val="FFFFFF"/>
-                </a:solidFill>
-              </a14:hiddenFill>
-            </a:ext>
-            <a:ext uri="{91240B29-F687-4F45-9708-019B960494DF}">
-              <a14:hiddenLine xmlns:a14="http://schemas.microsoft.com/office/drawing/2010/main" w="9525">
-                <a:solidFill>
-                  <a:srgbClr val="000000"/>
-                </a:solidFill>
-                <a:miter lim="800000"/>
-                <a:headEnd/>
-                <a:tailEnd/>
-              </a14:hiddenLine>
-            </a:ext>
-          </a:extLst>
-        </p:spPr>
-        <p:txBody>
-          <a:bodyPr wrap="square" numCol="1" anchor="t" anchorCtr="0" compatLnSpc="1">
-            <a:prstTxWarp prst="textNoShape">
-              <a:avLst/>
-            </a:prstTxWarp>
-          </a:bodyPr>
-          <a:lstStyle/>
-          <a:p>
-            <a:endParaRPr lang="zh-TW" altLang="en-US" smtClean="0"/>
-          </a:p>
-        </p:txBody>
-      </p:sp>
-      <p:sp>
-        <p:nvSpPr>
-          <p:cNvPr id="17412" name="投影片編號版面配置區 3"/>
-          <p:cNvSpPr>
-            <a:spLocks noGrp="1"/>
-          </p:cNvSpPr>
-          <p:nvPr>
-            <p:ph type="sldNum" sz="quarter" idx="5"/>
-          </p:nvPr>
-        </p:nvSpPr>
-        <p:spPr bwMode="auto">
-          <a:noFill/>
-          <a:extLst>
-            <a:ext uri="{909E8E84-426E-40DD-AFC4-6F175D3DCCD1}">
-              <a14:hiddenFill xmlns:a14="http://schemas.microsoft.com/office/drawing/2010/main">
-                <a:solidFill>
-                  <a:srgbClr val="FFFFFF"/>
-                </a:solidFill>
-              </a14:hiddenFill>
-            </a:ext>
-            <a:ext uri="{91240B29-F687-4F45-9708-019B960494DF}">
-              <a14:hiddenLine xmlns:a14="http://schemas.microsoft.com/office/drawing/2010/main" w="9525">
-                <a:solidFill>
-                  <a:srgbClr val="000000"/>
-                </a:solidFill>
-                <a:miter lim="800000"/>
-                <a:headEnd/>
-                <a:tailEnd/>
-              </a14:hiddenLine>
-            </a:ext>
-          </a:extLst>
-        </p:spPr>
-        <p:txBody>
-          <a:bodyPr wrap="square" numCol="1" anchorCtr="0" compatLnSpc="1">
-            <a:prstTxWarp prst="textNoShape">
-              <a:avLst/>
-            </a:prstTxWarp>
-          </a:bodyPr>
-          <a:lstStyle>
-            <a:lvl1pPr algn="l" eaLnBrk="0" hangingPunct="0">
-              <a:spcBef>
-                <a:spcPct val="30000"/>
-              </a:spcBef>
-              <a:defRPr sz="1200">
-                <a:solidFill>
-                  <a:schemeClr val="tx1"/>
-                </a:solidFill>
-                <a:latin typeface="Calibri" pitchFamily="34" charset="0"/>
-                <a:ea typeface="新細明體" charset="-120"/>
-              </a:defRPr>
-            </a:lvl1pPr>
-            <a:lvl2pPr marL="742950" indent="-285750" algn="l" eaLnBrk="0" hangingPunct="0">
-              <a:spcBef>
-                <a:spcPct val="30000"/>
-              </a:spcBef>
-              <a:defRPr sz="1200">
-                <a:solidFill>
-                  <a:schemeClr val="tx1"/>
-                </a:solidFill>
-                <a:latin typeface="Calibri" pitchFamily="34" charset="0"/>
-                <a:ea typeface="新細明體" charset="-120"/>
-              </a:defRPr>
-            </a:lvl2pPr>
-            <a:lvl3pPr marL="1143000" indent="-228600" algn="l" eaLnBrk="0" hangingPunct="0">
-              <a:spcBef>
-                <a:spcPct val="30000"/>
-              </a:spcBef>
-              <a:defRPr sz="1200">
-                <a:solidFill>
-                  <a:schemeClr val="tx1"/>
-                </a:solidFill>
-                <a:latin typeface="Calibri" pitchFamily="34" charset="0"/>
-                <a:ea typeface="新細明體" charset="-120"/>
-              </a:defRPr>
-            </a:lvl3pPr>
-            <a:lvl4pPr marL="1600200" indent="-228600" algn="l" eaLnBrk="0" hangingPunct="0">
-              <a:spcBef>
-                <a:spcPct val="30000"/>
-              </a:spcBef>
-              <a:defRPr sz="1200">
-                <a:solidFill>
-                  <a:schemeClr val="tx1"/>
-                </a:solidFill>
-                <a:latin typeface="Calibri" pitchFamily="34" charset="0"/>
-                <a:ea typeface="新細明體" charset="-120"/>
-              </a:defRPr>
-            </a:lvl4pPr>
-            <a:lvl5pPr marL="2057400" indent="-228600" algn="l" eaLnBrk="0" hangingPunct="0">
-              <a:spcBef>
-                <a:spcPct val="30000"/>
-              </a:spcBef>
-              <a:defRPr sz="1200">
-                <a:solidFill>
-                  <a:schemeClr val="tx1"/>
-                </a:solidFill>
-                <a:latin typeface="Calibri" pitchFamily="34" charset="0"/>
-                <a:ea typeface="新細明體" charset="-120"/>
-              </a:defRPr>
-            </a:lvl5pPr>
-            <a:lvl6pPr marL="2514600" indent="-228600" eaLnBrk="0" fontAlgn="base" hangingPunct="0">
-              <a:spcBef>
-                <a:spcPct val="30000"/>
-              </a:spcBef>
-              <a:spcAft>
-                <a:spcPct val="0"/>
-              </a:spcAft>
-              <a:defRPr sz="1200">
-                <a:solidFill>
-                  <a:schemeClr val="tx1"/>
-                </a:solidFill>
-                <a:latin typeface="Calibri" pitchFamily="34" charset="0"/>
-                <a:ea typeface="新細明體" charset="-120"/>
-              </a:defRPr>
-            </a:lvl6pPr>
-            <a:lvl7pPr marL="2971800" indent="-228600" eaLnBrk="0" fontAlgn="base" hangingPunct="0">
-              <a:spcBef>
-                <a:spcPct val="30000"/>
-              </a:spcBef>
-              <a:spcAft>
-                <a:spcPct val="0"/>
-              </a:spcAft>
-              <a:defRPr sz="1200">
-                <a:solidFill>
-                  <a:schemeClr val="tx1"/>
-                </a:solidFill>
-                <a:latin typeface="Calibri" pitchFamily="34" charset="0"/>
-                <a:ea typeface="新細明體" charset="-120"/>
-              </a:defRPr>
-            </a:lvl7pPr>
-            <a:lvl8pPr marL="3429000" indent="-228600" eaLnBrk="0" fontAlgn="base" hangingPunct="0">
-              <a:spcBef>
-                <a:spcPct val="30000"/>
-              </a:spcBef>
-              <a:spcAft>
-                <a:spcPct val="0"/>
-              </a:spcAft>
-              <a:defRPr sz="1200">
-                <a:solidFill>
-                  <a:schemeClr val="tx1"/>
-                </a:solidFill>
-                <a:latin typeface="Calibri" pitchFamily="34" charset="0"/>
-                <a:ea typeface="新細明體" charset="-120"/>
-              </a:defRPr>
-            </a:lvl8pPr>
-            <a:lvl9pPr marL="3886200" indent="-228600" eaLnBrk="0" fontAlgn="base" hangingPunct="0">
-              <a:spcBef>
-                <a:spcPct val="30000"/>
-              </a:spcBef>
-              <a:spcAft>
-                <a:spcPct val="0"/>
-              </a:spcAft>
-              <a:defRPr sz="1200">
-                <a:solidFill>
-                  <a:schemeClr val="tx1"/>
-                </a:solidFill>
-                <a:latin typeface="Calibri" pitchFamily="34" charset="0"/>
-                <a:ea typeface="新細明體" charset="-120"/>
-              </a:defRPr>
-            </a:lvl9pPr>
-          </a:lstStyle>
-          <a:p>
-            <a:pPr algn="r" eaLnBrk="1" hangingPunct="1">
-              <a:spcBef>
-                <a:spcPct val="0"/>
-              </a:spcBef>
-            </a:pPr>
-            <a:fld id="{5DE66945-6A8C-49C5-9B82-2FC2BD15D217}" type="slidenum">
-              <a:rPr lang="zh-TW" altLang="en-US" smtClean="0">
-                <a:latin typeface="Arial" charset="0"/>
-              </a:rPr>
-              <a:pPr algn="r" eaLnBrk="1" hangingPunct="1">
-                <a:spcBef>
-                  <a:spcPct val="0"/>
-                </a:spcBef>
-              </a:pPr>
-              <a:t>23</a:t>
-            </a:fld>
-            <a:endParaRPr lang="zh-TW" altLang="en-US" smtClean="0">
-              <a:latin typeface="Arial" charset="0"/>
-            </a:endParaRPr>
-          </a:p>
-        </p:txBody>
-      </p:sp>
-    </p:spTree>
-  </p:cSld>
-  <p:clrMapOvr>
-    <a:masterClrMapping/>
-  </p:clrMapOvr>
-</p:notes>
-</file>
-
-<file path=ppt/notesSlides/notesSlide14.xml><?xml version="1.0" encoding="utf-8"?>
-<p:notes xmlns:a="http://schemas.openxmlformats.org/drawingml/2006/main" xmlns:r="http://schemas.openxmlformats.org/officeDocument/2006/relationships" xmlns:p="http://schemas.openxmlformats.org/presentationml/2006/main">
-  <p:cSld>
-    <p:spTree>
-      <p:nvGrpSpPr>
-        <p:cNvPr id="1" name=""/>
-        <p:cNvGrpSpPr/>
-        <p:nvPr/>
-      </p:nvGrpSpPr>
-      <p:grpSpPr>
-        <a:xfrm>
-          <a:off x="0" y="0"/>
-          <a:ext cx="0" cy="0"/>
-          <a:chOff x="0" y="0"/>
-          <a:chExt cx="0" cy="0"/>
-        </a:xfrm>
-      </p:grpSpPr>
-      <p:sp>
-        <p:nvSpPr>
-          <p:cNvPr id="17410" name="投影片圖像版面配置區 1"/>
-          <p:cNvSpPr>
-            <a:spLocks noGrp="1" noRot="1" noChangeAspect="1" noTextEdit="1"/>
-          </p:cNvSpPr>
-          <p:nvPr>
-            <p:ph type="sldImg"/>
-          </p:nvPr>
-        </p:nvSpPr>
-        <p:spPr bwMode="auto">
-          <a:noFill/>
-          <a:ln>
-            <a:solidFill>
-              <a:srgbClr val="000000"/>
-            </a:solidFill>
-            <a:miter lim="800000"/>
-            <a:headEnd/>
-            <a:tailEnd/>
-          </a:ln>
-          <a:extLst>
-            <a:ext uri="{909E8E84-426E-40DD-AFC4-6F175D3DCCD1}">
-              <a14:hiddenFill xmlns:a14="http://schemas.microsoft.com/office/drawing/2010/main">
-                <a:solidFill>
-                  <a:srgbClr val="FFFFFF"/>
-                </a:solidFill>
-              </a14:hiddenFill>
-            </a:ext>
-          </a:extLst>
-        </p:spPr>
-      </p:sp>
-      <p:sp>
-        <p:nvSpPr>
-          <p:cNvPr id="17411" name="備忘稿版面配置區 2"/>
-          <p:cNvSpPr>
-            <a:spLocks noGrp="1"/>
-          </p:cNvSpPr>
-          <p:nvPr>
-            <p:ph type="body" idx="1"/>
-          </p:nvPr>
-        </p:nvSpPr>
-        <p:spPr bwMode="auto">
-          <a:noFill/>
-          <a:extLst>
-            <a:ext uri="{909E8E84-426E-40DD-AFC4-6F175D3DCCD1}">
-              <a14:hiddenFill xmlns:a14="http://schemas.microsoft.com/office/drawing/2010/main">
-                <a:solidFill>
-                  <a:srgbClr val="FFFFFF"/>
-                </a:solidFill>
-              </a14:hiddenFill>
-            </a:ext>
-            <a:ext uri="{91240B29-F687-4F45-9708-019B960494DF}">
-              <a14:hiddenLine xmlns:a14="http://schemas.microsoft.com/office/drawing/2010/main" w="9525">
-                <a:solidFill>
-                  <a:srgbClr val="000000"/>
-                </a:solidFill>
-                <a:miter lim="800000"/>
-                <a:headEnd/>
-                <a:tailEnd/>
-              </a14:hiddenLine>
-            </a:ext>
-          </a:extLst>
-        </p:spPr>
-        <p:txBody>
-          <a:bodyPr wrap="square" numCol="1" anchor="t" anchorCtr="0" compatLnSpc="1">
-            <a:prstTxWarp prst="textNoShape">
-              <a:avLst/>
-            </a:prstTxWarp>
-          </a:bodyPr>
-          <a:lstStyle/>
-          <a:p>
-            <a:endParaRPr lang="zh-TW" altLang="en-US" smtClean="0"/>
-          </a:p>
-        </p:txBody>
-      </p:sp>
-      <p:sp>
-        <p:nvSpPr>
-          <p:cNvPr id="17412" name="投影片編號版面配置區 3"/>
-          <p:cNvSpPr>
-            <a:spLocks noGrp="1"/>
-          </p:cNvSpPr>
-          <p:nvPr>
-            <p:ph type="sldNum" sz="quarter" idx="5"/>
-          </p:nvPr>
-        </p:nvSpPr>
-        <p:spPr bwMode="auto">
-          <a:noFill/>
-          <a:extLst>
-            <a:ext uri="{909E8E84-426E-40DD-AFC4-6F175D3DCCD1}">
-              <a14:hiddenFill xmlns:a14="http://schemas.microsoft.com/office/drawing/2010/main">
-                <a:solidFill>
-                  <a:srgbClr val="FFFFFF"/>
-                </a:solidFill>
-              </a14:hiddenFill>
-            </a:ext>
-            <a:ext uri="{91240B29-F687-4F45-9708-019B960494DF}">
-              <a14:hiddenLine xmlns:a14="http://schemas.microsoft.com/office/drawing/2010/main" w="9525">
-                <a:solidFill>
-                  <a:srgbClr val="000000"/>
-                </a:solidFill>
-                <a:miter lim="800000"/>
-                <a:headEnd/>
-                <a:tailEnd/>
-              </a14:hiddenLine>
-            </a:ext>
-          </a:extLst>
-        </p:spPr>
-        <p:txBody>
-          <a:bodyPr wrap="square" numCol="1" anchorCtr="0" compatLnSpc="1">
-            <a:prstTxWarp prst="textNoShape">
-              <a:avLst/>
-            </a:prstTxWarp>
-          </a:bodyPr>
-          <a:lstStyle>
-            <a:lvl1pPr algn="l" eaLnBrk="0" hangingPunct="0">
-              <a:spcBef>
-                <a:spcPct val="30000"/>
-              </a:spcBef>
-              <a:defRPr sz="1200">
-                <a:solidFill>
-                  <a:schemeClr val="tx1"/>
-                </a:solidFill>
-                <a:latin typeface="Calibri" pitchFamily="34" charset="0"/>
-                <a:ea typeface="新細明體" charset="-120"/>
-              </a:defRPr>
-            </a:lvl1pPr>
-            <a:lvl2pPr marL="742950" indent="-285750" algn="l" eaLnBrk="0" hangingPunct="0">
-              <a:spcBef>
-                <a:spcPct val="30000"/>
-              </a:spcBef>
-              <a:defRPr sz="1200">
-                <a:solidFill>
-                  <a:schemeClr val="tx1"/>
-                </a:solidFill>
-                <a:latin typeface="Calibri" pitchFamily="34" charset="0"/>
-                <a:ea typeface="新細明體" charset="-120"/>
-              </a:defRPr>
-            </a:lvl2pPr>
-            <a:lvl3pPr marL="1143000" indent="-228600" algn="l" eaLnBrk="0" hangingPunct="0">
-              <a:spcBef>
-                <a:spcPct val="30000"/>
-              </a:spcBef>
-              <a:defRPr sz="1200">
-                <a:solidFill>
-                  <a:schemeClr val="tx1"/>
-                </a:solidFill>
-                <a:latin typeface="Calibri" pitchFamily="34" charset="0"/>
-                <a:ea typeface="新細明體" charset="-120"/>
-              </a:defRPr>
-            </a:lvl3pPr>
-            <a:lvl4pPr marL="1600200" indent="-228600" algn="l" eaLnBrk="0" hangingPunct="0">
-              <a:spcBef>
-                <a:spcPct val="30000"/>
-              </a:spcBef>
-              <a:defRPr sz="1200">
-                <a:solidFill>
-                  <a:schemeClr val="tx1"/>
-                </a:solidFill>
-                <a:latin typeface="Calibri" pitchFamily="34" charset="0"/>
-                <a:ea typeface="新細明體" charset="-120"/>
-              </a:defRPr>
-            </a:lvl4pPr>
-            <a:lvl5pPr marL="2057400" indent="-228600" algn="l" eaLnBrk="0" hangingPunct="0">
-              <a:spcBef>
-                <a:spcPct val="30000"/>
-              </a:spcBef>
-              <a:defRPr sz="1200">
-                <a:solidFill>
-                  <a:schemeClr val="tx1"/>
-                </a:solidFill>
-                <a:latin typeface="Calibri" pitchFamily="34" charset="0"/>
-                <a:ea typeface="新細明體" charset="-120"/>
-              </a:defRPr>
-            </a:lvl5pPr>
-            <a:lvl6pPr marL="2514600" indent="-228600" eaLnBrk="0" fontAlgn="base" hangingPunct="0">
-              <a:spcBef>
-                <a:spcPct val="30000"/>
-              </a:spcBef>
-              <a:spcAft>
-                <a:spcPct val="0"/>
-              </a:spcAft>
-              <a:defRPr sz="1200">
-                <a:solidFill>
-                  <a:schemeClr val="tx1"/>
-                </a:solidFill>
-                <a:latin typeface="Calibri" pitchFamily="34" charset="0"/>
-                <a:ea typeface="新細明體" charset="-120"/>
-              </a:defRPr>
-            </a:lvl6pPr>
-            <a:lvl7pPr marL="2971800" indent="-228600" eaLnBrk="0" fontAlgn="base" hangingPunct="0">
-              <a:spcBef>
-                <a:spcPct val="30000"/>
-              </a:spcBef>
-              <a:spcAft>
-                <a:spcPct val="0"/>
-              </a:spcAft>
-              <a:defRPr sz="1200">
-                <a:solidFill>
-                  <a:schemeClr val="tx1"/>
-                </a:solidFill>
-                <a:latin typeface="Calibri" pitchFamily="34" charset="0"/>
-                <a:ea typeface="新細明體" charset="-120"/>
-              </a:defRPr>
-            </a:lvl7pPr>
-            <a:lvl8pPr marL="3429000" indent="-228600" eaLnBrk="0" fontAlgn="base" hangingPunct="0">
-              <a:spcBef>
-                <a:spcPct val="30000"/>
-              </a:spcBef>
-              <a:spcAft>
-                <a:spcPct val="0"/>
-              </a:spcAft>
-              <a:defRPr sz="1200">
-                <a:solidFill>
-                  <a:schemeClr val="tx1"/>
-                </a:solidFill>
-                <a:latin typeface="Calibri" pitchFamily="34" charset="0"/>
-                <a:ea typeface="新細明體" charset="-120"/>
-              </a:defRPr>
-            </a:lvl8pPr>
-            <a:lvl9pPr marL="3886200" indent="-228600" eaLnBrk="0" fontAlgn="base" hangingPunct="0">
-              <a:spcBef>
-                <a:spcPct val="30000"/>
-              </a:spcBef>
-              <a:spcAft>
-                <a:spcPct val="0"/>
-              </a:spcAft>
-              <a:defRPr sz="1200">
-                <a:solidFill>
-                  <a:schemeClr val="tx1"/>
-                </a:solidFill>
-                <a:latin typeface="Calibri" pitchFamily="34" charset="0"/>
-                <a:ea typeface="新細明體" charset="-120"/>
-              </a:defRPr>
-            </a:lvl9pPr>
-          </a:lstStyle>
-          <a:p>
-            <a:pPr algn="r" eaLnBrk="1" hangingPunct="1">
-              <a:spcBef>
-                <a:spcPct val="0"/>
-              </a:spcBef>
-            </a:pPr>
-            <a:fld id="{5DE66945-6A8C-49C5-9B82-2FC2BD15D217}" type="slidenum">
-              <a:rPr lang="zh-TW" altLang="en-US" smtClean="0">
-                <a:latin typeface="Arial" charset="0"/>
-              </a:rPr>
-              <a:pPr algn="r" eaLnBrk="1" hangingPunct="1">
-                <a:spcBef>
-                  <a:spcPct val="0"/>
-                </a:spcBef>
-              </a:pPr>
-              <a:t>24</a:t>
-            </a:fld>
-            <a:endParaRPr lang="zh-TW" altLang="en-US" smtClean="0">
-              <a:latin typeface="Arial" charset="0"/>
-            </a:endParaRPr>
-          </a:p>
-        </p:txBody>
-      </p:sp>
-    </p:spTree>
-  </p:cSld>
-  <p:clrMapOvr>
-    <a:masterClrMapping/>
-  </p:clrMapOvr>
-</p:notes>
-</file>
-
 <file path=ppt/notesSlides/notesSlide2.xml><?xml version="1.0" encoding="utf-8"?>
 <p:notes xmlns:a="http://schemas.openxmlformats.org/drawingml/2006/main" xmlns:r="http://schemas.openxmlformats.org/officeDocument/2006/relationships" xmlns:p="http://schemas.openxmlformats.org/presentationml/2006/main">
   <p:cSld>
@@ -3898,7 +2474,7 @@
       </p:grpSpPr>
       <p:sp>
         <p:nvSpPr>
-          <p:cNvPr id="16386" name="投影片圖像版面配置區 1"/>
+          <p:cNvPr id="17410" name="投影片圖像版面配置區 1"/>
           <p:cNvSpPr>
             <a:spLocks noGrp="1" noRot="1" noChangeAspect="1" noTextEdit="1"/>
           </p:cNvSpPr>
@@ -3929,7 +2505,7 @@
       </p:sp>
       <p:sp>
         <p:nvSpPr>
-          <p:cNvPr id="16387" name="備忘稿版面配置區 2"/>
+          <p:cNvPr id="17411" name="備忘稿版面配置區 2"/>
           <p:cNvSpPr>
             <a:spLocks noGrp="1"/>
           </p:cNvSpPr>
@@ -3973,7 +2549,7 @@
       </p:sp>
       <p:sp>
         <p:nvSpPr>
-          <p:cNvPr id="16388" name="投影片編號版面配置區 3"/>
+          <p:cNvPr id="17412" name="投影片編號版面配置區 3"/>
           <p:cNvSpPr>
             <a:spLocks noGrp="1"/>
           </p:cNvSpPr>
@@ -4137,7 +2713,7 @@
                 <a:spcPct val="0"/>
               </a:spcBef>
             </a:pPr>
-            <a:fld id="{ABCCBFDF-A5B7-4992-88D5-4399F80FDD84}" type="slidenum">
+            <a:fld id="{5DE66945-6A8C-49C5-9B82-2FC2BD15D217}" type="slidenum">
               <a:rPr lang="zh-TW" altLang="en-US" smtClean="0">
                 <a:latin typeface="Arial" charset="0"/>
               </a:rPr>
@@ -4147,289 +2723,6 @@
                 </a:spcBef>
               </a:pPr>
               <a:t>15</a:t>
-            </a:fld>
-            <a:endParaRPr lang="zh-TW" altLang="en-US" smtClean="0">
-              <a:latin typeface="Arial" charset="0"/>
-            </a:endParaRPr>
-          </a:p>
-        </p:txBody>
-      </p:sp>
-    </p:spTree>
-  </p:cSld>
-  <p:clrMapOvr>
-    <a:masterClrMapping/>
-  </p:clrMapOvr>
-</p:notes>
-</file>
-
-<file path=ppt/notesSlides/notesSlide9.xml><?xml version="1.0" encoding="utf-8"?>
-<p:notes xmlns:a="http://schemas.openxmlformats.org/drawingml/2006/main" xmlns:r="http://schemas.openxmlformats.org/officeDocument/2006/relationships" xmlns:p="http://schemas.openxmlformats.org/presentationml/2006/main">
-  <p:cSld>
-    <p:spTree>
-      <p:nvGrpSpPr>
-        <p:cNvPr id="1" name=""/>
-        <p:cNvGrpSpPr/>
-        <p:nvPr/>
-      </p:nvGrpSpPr>
-      <p:grpSpPr>
-        <a:xfrm>
-          <a:off x="0" y="0"/>
-          <a:ext cx="0" cy="0"/>
-          <a:chOff x="0" y="0"/>
-          <a:chExt cx="0" cy="0"/>
-        </a:xfrm>
-      </p:grpSpPr>
-      <p:sp>
-        <p:nvSpPr>
-          <p:cNvPr id="17410" name="投影片圖像版面配置區 1"/>
-          <p:cNvSpPr>
-            <a:spLocks noGrp="1" noRot="1" noChangeAspect="1" noTextEdit="1"/>
-          </p:cNvSpPr>
-          <p:nvPr>
-            <p:ph type="sldImg"/>
-          </p:nvPr>
-        </p:nvSpPr>
-        <p:spPr bwMode="auto">
-          <a:noFill/>
-          <a:ln>
-            <a:solidFill>
-              <a:srgbClr val="000000"/>
-            </a:solidFill>
-            <a:miter lim="800000"/>
-            <a:headEnd/>
-            <a:tailEnd/>
-          </a:ln>
-          <a:extLst>
-            <a:ext uri="{909E8E84-426E-40DD-AFC4-6F175D3DCCD1}">
-              <a14:hiddenFill xmlns:a14="http://schemas.microsoft.com/office/drawing/2010/main">
-                <a:solidFill>
-                  <a:srgbClr val="FFFFFF"/>
-                </a:solidFill>
-              </a14:hiddenFill>
-            </a:ext>
-          </a:extLst>
-        </p:spPr>
-      </p:sp>
-      <p:sp>
-        <p:nvSpPr>
-          <p:cNvPr id="17411" name="備忘稿版面配置區 2"/>
-          <p:cNvSpPr>
-            <a:spLocks noGrp="1"/>
-          </p:cNvSpPr>
-          <p:nvPr>
-            <p:ph type="body" idx="1"/>
-          </p:nvPr>
-        </p:nvSpPr>
-        <p:spPr bwMode="auto">
-          <a:noFill/>
-          <a:extLst>
-            <a:ext uri="{909E8E84-426E-40DD-AFC4-6F175D3DCCD1}">
-              <a14:hiddenFill xmlns:a14="http://schemas.microsoft.com/office/drawing/2010/main">
-                <a:solidFill>
-                  <a:srgbClr val="FFFFFF"/>
-                </a:solidFill>
-              </a14:hiddenFill>
-            </a:ext>
-            <a:ext uri="{91240B29-F687-4F45-9708-019B960494DF}">
-              <a14:hiddenLine xmlns:a14="http://schemas.microsoft.com/office/drawing/2010/main" w="9525">
-                <a:solidFill>
-                  <a:srgbClr val="000000"/>
-                </a:solidFill>
-                <a:miter lim="800000"/>
-                <a:headEnd/>
-                <a:tailEnd/>
-              </a14:hiddenLine>
-            </a:ext>
-          </a:extLst>
-        </p:spPr>
-        <p:txBody>
-          <a:bodyPr wrap="square" numCol="1" anchor="t" anchorCtr="0" compatLnSpc="1">
-            <a:prstTxWarp prst="textNoShape">
-              <a:avLst/>
-            </a:prstTxWarp>
-          </a:bodyPr>
-          <a:lstStyle/>
-          <a:p>
-            <a:endParaRPr lang="zh-TW" altLang="en-US" smtClean="0"/>
-          </a:p>
-        </p:txBody>
-      </p:sp>
-      <p:sp>
-        <p:nvSpPr>
-          <p:cNvPr id="17412" name="投影片編號版面配置區 3"/>
-          <p:cNvSpPr>
-            <a:spLocks noGrp="1"/>
-          </p:cNvSpPr>
-          <p:nvPr>
-            <p:ph type="sldNum" sz="quarter" idx="5"/>
-          </p:nvPr>
-        </p:nvSpPr>
-        <p:spPr bwMode="auto">
-          <a:noFill/>
-          <a:extLst>
-            <a:ext uri="{909E8E84-426E-40DD-AFC4-6F175D3DCCD1}">
-              <a14:hiddenFill xmlns:a14="http://schemas.microsoft.com/office/drawing/2010/main">
-                <a:solidFill>
-                  <a:srgbClr val="FFFFFF"/>
-                </a:solidFill>
-              </a14:hiddenFill>
-            </a:ext>
-            <a:ext uri="{91240B29-F687-4F45-9708-019B960494DF}">
-              <a14:hiddenLine xmlns:a14="http://schemas.microsoft.com/office/drawing/2010/main" w="9525">
-                <a:solidFill>
-                  <a:srgbClr val="000000"/>
-                </a:solidFill>
-                <a:miter lim="800000"/>
-                <a:headEnd/>
-                <a:tailEnd/>
-              </a14:hiddenLine>
-            </a:ext>
-          </a:extLst>
-        </p:spPr>
-        <p:txBody>
-          <a:bodyPr wrap="square" numCol="1" anchorCtr="0" compatLnSpc="1">
-            <a:prstTxWarp prst="textNoShape">
-              <a:avLst/>
-            </a:prstTxWarp>
-          </a:bodyPr>
-          <a:lstStyle>
-            <a:lvl1pPr algn="l" eaLnBrk="0" hangingPunct="0">
-              <a:spcBef>
-                <a:spcPct val="30000"/>
-              </a:spcBef>
-              <a:defRPr sz="1200">
-                <a:solidFill>
-                  <a:schemeClr val="tx1"/>
-                </a:solidFill>
-                <a:latin typeface="Calibri" pitchFamily="34" charset="0"/>
-                <a:ea typeface="新細明體" charset="-120"/>
-              </a:defRPr>
-            </a:lvl1pPr>
-            <a:lvl2pPr marL="742950" indent="-285750" algn="l" eaLnBrk="0" hangingPunct="0">
-              <a:spcBef>
-                <a:spcPct val="30000"/>
-              </a:spcBef>
-              <a:defRPr sz="1200">
-                <a:solidFill>
-                  <a:schemeClr val="tx1"/>
-                </a:solidFill>
-                <a:latin typeface="Calibri" pitchFamily="34" charset="0"/>
-                <a:ea typeface="新細明體" charset="-120"/>
-              </a:defRPr>
-            </a:lvl2pPr>
-            <a:lvl3pPr marL="1143000" indent="-228600" algn="l" eaLnBrk="0" hangingPunct="0">
-              <a:spcBef>
-                <a:spcPct val="30000"/>
-              </a:spcBef>
-              <a:defRPr sz="1200">
-                <a:solidFill>
-                  <a:schemeClr val="tx1"/>
-                </a:solidFill>
-                <a:latin typeface="Calibri" pitchFamily="34" charset="0"/>
-                <a:ea typeface="新細明體" charset="-120"/>
-              </a:defRPr>
-            </a:lvl3pPr>
-            <a:lvl4pPr marL="1600200" indent="-228600" algn="l" eaLnBrk="0" hangingPunct="0">
-              <a:spcBef>
-                <a:spcPct val="30000"/>
-              </a:spcBef>
-              <a:defRPr sz="1200">
-                <a:solidFill>
-                  <a:schemeClr val="tx1"/>
-                </a:solidFill>
-                <a:latin typeface="Calibri" pitchFamily="34" charset="0"/>
-                <a:ea typeface="新細明體" charset="-120"/>
-              </a:defRPr>
-            </a:lvl4pPr>
-            <a:lvl5pPr marL="2057400" indent="-228600" algn="l" eaLnBrk="0" hangingPunct="0">
-              <a:spcBef>
-                <a:spcPct val="30000"/>
-              </a:spcBef>
-              <a:defRPr sz="1200">
-                <a:solidFill>
-                  <a:schemeClr val="tx1"/>
-                </a:solidFill>
-                <a:latin typeface="Calibri" pitchFamily="34" charset="0"/>
-                <a:ea typeface="新細明體" charset="-120"/>
-              </a:defRPr>
-            </a:lvl5pPr>
-            <a:lvl6pPr marL="2514600" indent="-228600" eaLnBrk="0" fontAlgn="base" hangingPunct="0">
-              <a:spcBef>
-                <a:spcPct val="30000"/>
-              </a:spcBef>
-              <a:spcAft>
-                <a:spcPct val="0"/>
-              </a:spcAft>
-              <a:defRPr sz="1200">
-                <a:solidFill>
-                  <a:schemeClr val="tx1"/>
-                </a:solidFill>
-                <a:latin typeface="Calibri" pitchFamily="34" charset="0"/>
-                <a:ea typeface="新細明體" charset="-120"/>
-              </a:defRPr>
-            </a:lvl6pPr>
-            <a:lvl7pPr marL="2971800" indent="-228600" eaLnBrk="0" fontAlgn="base" hangingPunct="0">
-              <a:spcBef>
-                <a:spcPct val="30000"/>
-              </a:spcBef>
-              <a:spcAft>
-                <a:spcPct val="0"/>
-              </a:spcAft>
-              <a:defRPr sz="1200">
-                <a:solidFill>
-                  <a:schemeClr val="tx1"/>
-                </a:solidFill>
-                <a:latin typeface="Calibri" pitchFamily="34" charset="0"/>
-                <a:ea typeface="新細明體" charset="-120"/>
-              </a:defRPr>
-            </a:lvl7pPr>
-            <a:lvl8pPr marL="3429000" indent="-228600" eaLnBrk="0" fontAlgn="base" hangingPunct="0">
-              <a:spcBef>
-                <a:spcPct val="30000"/>
-              </a:spcBef>
-              <a:spcAft>
-                <a:spcPct val="0"/>
-              </a:spcAft>
-              <a:defRPr sz="1200">
-                <a:solidFill>
-                  <a:schemeClr val="tx1"/>
-                </a:solidFill>
-                <a:latin typeface="Calibri" pitchFamily="34" charset="0"/>
-                <a:ea typeface="新細明體" charset="-120"/>
-              </a:defRPr>
-            </a:lvl8pPr>
-            <a:lvl9pPr marL="3886200" indent="-228600" eaLnBrk="0" fontAlgn="base" hangingPunct="0">
-              <a:spcBef>
-                <a:spcPct val="30000"/>
-              </a:spcBef>
-              <a:spcAft>
-                <a:spcPct val="0"/>
-              </a:spcAft>
-              <a:defRPr sz="1200">
-                <a:solidFill>
-                  <a:schemeClr val="tx1"/>
-                </a:solidFill>
-                <a:latin typeface="Calibri" pitchFamily="34" charset="0"/>
-                <a:ea typeface="新細明體" charset="-120"/>
-              </a:defRPr>
-            </a:lvl9pPr>
-          </a:lstStyle>
-          <a:p>
-            <a:pPr algn="r" eaLnBrk="1" hangingPunct="1">
-              <a:spcBef>
-                <a:spcPct val="0"/>
-              </a:spcBef>
-            </a:pPr>
-            <a:fld id="{45415B1D-70CD-464D-8F10-672930A460BE}" type="slidenum">
-              <a:rPr lang="zh-TW" altLang="en-US" smtClean="0">
-                <a:latin typeface="Arial" charset="0"/>
-              </a:rPr>
-              <a:pPr algn="r" eaLnBrk="1" hangingPunct="1">
-                <a:spcBef>
-                  <a:spcPct val="0"/>
-                </a:spcBef>
-              </a:pPr>
-              <a:t>16</a:t>
             </a:fld>
             <a:endParaRPr lang="zh-TW" altLang="en-US" smtClean="0">
               <a:latin typeface="Arial" charset="0"/>
@@ -4626,7 +2919,7 @@
           <a:p>
             <a:fld id="{93FCF5C9-79AB-40FF-B23B-4ADA07998EAC}" type="datetime1">
               <a:rPr lang="zh-TW" altLang="en-US" smtClean="0"/>
-              <a:t>2019/3/19</a:t>
+              <a:t>2019/3/27</a:t>
             </a:fld>
             <a:endParaRPr lang="zh-TW" altLang="en-US"/>
           </a:p>
@@ -4796,7 +3089,7 @@
           <a:p>
             <a:fld id="{C15356CC-59C4-4A29-9700-F1B01FE0BDA6}" type="datetime1">
               <a:rPr lang="zh-TW" altLang="en-US" smtClean="0"/>
-              <a:t>2019/3/19</a:t>
+              <a:t>2019/3/27</a:t>
             </a:fld>
             <a:endParaRPr lang="zh-TW" altLang="en-US"/>
           </a:p>
@@ -4976,7 +3269,7 @@
           <a:p>
             <a:fld id="{9AE594C7-993D-4438-AA6F-CBE23DFB4270}" type="datetime1">
               <a:rPr lang="zh-TW" altLang="en-US" smtClean="0"/>
-              <a:t>2019/3/19</a:t>
+              <a:t>2019/3/27</a:t>
             </a:fld>
             <a:endParaRPr lang="zh-TW" altLang="en-US"/>
           </a:p>
@@ -5146,7 +3439,7 @@
           <a:p>
             <a:fld id="{D450D2CF-1167-43D6-909A-0C28B0F59C72}" type="datetime1">
               <a:rPr lang="zh-TW" altLang="en-US" smtClean="0"/>
-              <a:t>2019/3/19</a:t>
+              <a:t>2019/3/27</a:t>
             </a:fld>
             <a:endParaRPr lang="zh-TW" altLang="en-US"/>
           </a:p>
@@ -5399,7 +3692,7 @@
           <a:p>
             <a:fld id="{1C9A7FD2-AB59-4151-946A-CC608882B58E}" type="datetime1">
               <a:rPr lang="zh-TW" altLang="en-US" smtClean="0"/>
-              <a:t>2019/3/19</a:t>
+              <a:t>2019/3/27</a:t>
             </a:fld>
             <a:endParaRPr lang="zh-TW" altLang="en-US"/>
           </a:p>
@@ -5687,7 +3980,7 @@
           <a:p>
             <a:fld id="{D40BB12C-FF78-4F61-8FE6-616AC9AC73A7}" type="datetime1">
               <a:rPr lang="zh-TW" altLang="en-US" smtClean="0"/>
-              <a:t>2019/3/19</a:t>
+              <a:t>2019/3/27</a:t>
             </a:fld>
             <a:endParaRPr lang="zh-TW" altLang="en-US"/>
           </a:p>
@@ -6109,7 +4402,7 @@
           <a:p>
             <a:fld id="{AF7468AE-CE6D-47B8-9ACB-739E99C0A9C7}" type="datetime1">
               <a:rPr lang="zh-TW" altLang="en-US" smtClean="0"/>
-              <a:t>2019/3/19</a:t>
+              <a:t>2019/3/27</a:t>
             </a:fld>
             <a:endParaRPr lang="zh-TW" altLang="en-US"/>
           </a:p>
@@ -6227,7 +4520,7 @@
           <a:p>
             <a:fld id="{AD744EAB-4D85-41E6-9F62-245800E68770}" type="datetime1">
               <a:rPr lang="zh-TW" altLang="en-US" smtClean="0"/>
-              <a:t>2019/3/19</a:t>
+              <a:t>2019/3/27</a:t>
             </a:fld>
             <a:endParaRPr lang="zh-TW" altLang="en-US"/>
           </a:p>
@@ -6322,7 +4615,7 @@
           <a:p>
             <a:fld id="{CA6C9E1E-774D-4EAC-9D99-BE8865244E73}" type="datetime1">
               <a:rPr lang="zh-TW" altLang="en-US" smtClean="0"/>
-              <a:t>2019/3/19</a:t>
+              <a:t>2019/3/27</a:t>
             </a:fld>
             <a:endParaRPr lang="zh-TW" altLang="en-US"/>
           </a:p>
@@ -6599,7 +4892,7 @@
           <a:p>
             <a:fld id="{A6222D0A-CEA4-40AB-A293-7F7490CFFD26}" type="datetime1">
               <a:rPr lang="zh-TW" altLang="en-US" smtClean="0"/>
-              <a:t>2019/3/19</a:t>
+              <a:t>2019/3/27</a:t>
             </a:fld>
             <a:endParaRPr lang="zh-TW" altLang="en-US"/>
           </a:p>
@@ -6852,7 +5145,7 @@
           <a:p>
             <a:fld id="{633AEC37-E449-4919-BB29-FECB6FC261E4}" type="datetime1">
               <a:rPr lang="zh-TW" altLang="en-US" smtClean="0"/>
-              <a:t>2019/3/19</a:t>
+              <a:t>2019/3/27</a:t>
             </a:fld>
             <a:endParaRPr lang="zh-TW" altLang="en-US"/>
           </a:p>
@@ -7065,7 +5358,7 @@
           <a:p>
             <a:fld id="{D833F157-DD56-4172-ACB5-7841F7A4BD76}" type="datetime1">
               <a:rPr lang="zh-TW" altLang="en-US" smtClean="0"/>
-              <a:t>2019/3/19</a:t>
+              <a:t>2019/3/27</a:t>
             </a:fld>
             <a:endParaRPr lang="zh-TW" altLang="en-US"/>
           </a:p>
@@ -7729,11 +6022,7 @@
             </a:r>
             <a:r>
               <a:rPr lang="en-US" altLang="zh-TW" dirty="0" smtClean="0"/>
-              <a:t>array </a:t>
-            </a:r>
-            <a:r>
-              <a:rPr lang="en-US" altLang="zh-TW" dirty="0" smtClean="0"/>
-              <a:t>methods and properties </a:t>
+              <a:t>array methods and properties </a:t>
             </a:r>
             <a:r>
               <a:rPr lang="zh-TW" altLang="en-US" dirty="0" smtClean="0"/>
@@ -7743,7 +6032,6 @@
               <a:rPr lang="en-US" altLang="zh-TW" dirty="0" smtClean="0"/>
               <a:t>:</a:t>
             </a:r>
-            <a:endParaRPr lang="en-US" altLang="zh-TW" dirty="0" smtClean="0"/>
           </a:p>
           <a:p>
             <a:pPr lvl="1">
@@ -7867,11 +6155,11 @@
   <p:clrMapOvr>
     <a:masterClrMapping/>
   </p:clrMapOvr>
-  <mc:AlternateContent xmlns:mc="http://schemas.openxmlformats.org/markup-compatibility/2006">
-    <mc:Choice xmlns:p14="http://schemas.microsoft.com/office/powerpoint/2010/main" Requires="p14">
+  <mc:AlternateContent xmlns:mc="http://schemas.openxmlformats.org/markup-compatibility/2006" xmlns:p14="http://schemas.microsoft.com/office/powerpoint/2010/main">
+    <mc:Choice Requires="p14">
       <p:transition spd="slow" p14:dur="2000"/>
     </mc:Choice>
-    <mc:Fallback>
+    <mc:Fallback xmlns="">
       <p:transition spd="slow"/>
     </mc:Fallback>
   </mc:AlternateContent>
@@ -8673,52 +6961,7 @@
                   <a:reflection blurRad="12700" stA="28000" endPos="45000" dist="1000" dir="5400000" sy="-100000" algn="bl" rotWithShape="0"/>
                 </a:effectLst>
               </a:rPr>
-              <a:t>0</a:t>
-            </a:r>
-            <a:r>
-              <a:rPr lang="en-US" altLang="zh-TW" b="1" cap="all" dirty="0" smtClean="0">
-                <a:ln w="9000" cmpd="sng">
-                  <a:solidFill>
-                    <a:schemeClr val="accent4">
-                      <a:shade val="50000"/>
-                      <a:satMod val="120000"/>
-                    </a:schemeClr>
-                  </a:solidFill>
-                  <a:prstDash val="solid"/>
-                </a:ln>
-                <a:gradFill>
-                  <a:gsLst>
-                    <a:gs pos="0">
-                      <a:schemeClr val="accent4">
-                        <a:shade val="20000"/>
-                        <a:satMod val="245000"/>
-                      </a:schemeClr>
-                    </a:gs>
-                    <a:gs pos="43000">
-                      <a:schemeClr val="accent4">
-                        <a:satMod val="255000"/>
-                      </a:schemeClr>
-                    </a:gs>
-                    <a:gs pos="48000">
-                      <a:schemeClr val="accent4">
-                        <a:shade val="85000"/>
-                        <a:satMod val="255000"/>
-                      </a:schemeClr>
-                    </a:gs>
-                    <a:gs pos="100000">
-                      <a:schemeClr val="accent4">
-                        <a:shade val="20000"/>
-                        <a:satMod val="245000"/>
-                      </a:schemeClr>
-                    </a:gs>
-                  </a:gsLst>
-                  <a:lin ang="5400000"/>
-                </a:gradFill>
-                <a:effectLst>
-                  <a:reflection blurRad="12700" stA="28000" endPos="45000" dist="1000" dir="5400000" sy="-100000" algn="bl" rotWithShape="0"/>
-                </a:effectLst>
-              </a:rPr>
-              <a:t> </a:t>
+              <a:t>0 </a:t>
             </a:r>
             <a:r>
               <a:rPr lang="zh-TW" altLang="en-US" b="1" cap="all" dirty="0">
@@ -9329,11 +7572,7 @@
             <a:pPr algn="ctr"/>
             <a:r>
               <a:rPr lang="zh-TW" altLang="en-US" dirty="0" smtClean="0"/>
-              <a:t>三</a:t>
-            </a:r>
-            <a:r>
-              <a:rPr lang="zh-TW" altLang="en-US" dirty="0" smtClean="0"/>
-              <a:t>維陣列</a:t>
+              <a:t>三維陣列</a:t>
             </a:r>
             <a:endParaRPr lang="zh-TW" altLang="en-US" dirty="0"/>
           </a:p>
@@ -9625,7 +7864,7 @@
               <a:t> </a:t>
             </a:r>
             <a:r>
-              <a:rPr lang="zh-TW" altLang="en-US" b="1" cap="all" dirty="0" smtClean="0">
+              <a:rPr lang="zh-TW" altLang="en-US" b="1" cap="all" smtClean="0">
                 <a:ln w="9000" cmpd="sng">
                   <a:solidFill>
                     <a:schemeClr val="accent4">
@@ -9667,97 +7906,7 @@
                   <a:reflection blurRad="12700" stA="28000" endPos="45000" dist="1000" dir="5400000" sy="-100000" algn="bl" rotWithShape="0"/>
                 </a:effectLst>
               </a:rPr>
-              <a:t>引用 </a:t>
-            </a:r>
-            <a:r>
-              <a:rPr lang="en-US" altLang="zh-TW" b="1" cap="all" dirty="0" smtClean="0">
-                <a:ln w="9000" cmpd="sng">
-                  <a:solidFill>
-                    <a:schemeClr val="accent4">
-                      <a:shade val="50000"/>
-                      <a:satMod val="120000"/>
-                    </a:schemeClr>
-                  </a:solidFill>
-                  <a:prstDash val="solid"/>
-                </a:ln>
-                <a:gradFill>
-                  <a:gsLst>
-                    <a:gs pos="0">
-                      <a:schemeClr val="accent4">
-                        <a:shade val="20000"/>
-                        <a:satMod val="245000"/>
-                      </a:schemeClr>
-                    </a:gs>
-                    <a:gs pos="43000">
-                      <a:schemeClr val="accent4">
-                        <a:satMod val="255000"/>
-                      </a:schemeClr>
-                    </a:gs>
-                    <a:gs pos="48000">
-                      <a:schemeClr val="accent4">
-                        <a:shade val="85000"/>
-                        <a:satMod val="255000"/>
-                      </a:schemeClr>
-                    </a:gs>
-                    <a:gs pos="100000">
-                      <a:schemeClr val="accent4">
-                        <a:shade val="20000"/>
-                        <a:satMod val="245000"/>
-                      </a:schemeClr>
-                    </a:gs>
-                  </a:gsLst>
-                  <a:lin ang="5400000"/>
-                </a:gradFill>
-                <a:effectLst>
-                  <a:reflection blurRad="12700" stA="28000" endPos="45000" dist="1000" dir="5400000" sy="-100000" algn="bl" rotWithShape="0"/>
-                </a:effectLst>
-              </a:rPr>
-              <a:t>JS</a:t>
-            </a:r>
-            <a:r>
-              <a:rPr lang="zh-TW" altLang="en-US" b="1" cap="all" dirty="0" smtClean="0">
-                <a:ln w="9000" cmpd="sng">
-                  <a:solidFill>
-                    <a:schemeClr val="accent4">
-                      <a:shade val="50000"/>
-                      <a:satMod val="120000"/>
-                    </a:schemeClr>
-                  </a:solidFill>
-                  <a:prstDash val="solid"/>
-                </a:ln>
-                <a:gradFill>
-                  <a:gsLst>
-                    <a:gs pos="0">
-                      <a:schemeClr val="accent4">
-                        <a:shade val="20000"/>
-                        <a:satMod val="245000"/>
-                      </a:schemeClr>
-                    </a:gs>
-                    <a:gs pos="43000">
-                      <a:schemeClr val="accent4">
-                        <a:satMod val="255000"/>
-                      </a:schemeClr>
-                    </a:gs>
-                    <a:gs pos="48000">
-                      <a:schemeClr val="accent4">
-                        <a:shade val="85000"/>
-                        <a:satMod val="255000"/>
-                      </a:schemeClr>
-                    </a:gs>
-                    <a:gs pos="100000">
-                      <a:schemeClr val="accent4">
-                        <a:shade val="20000"/>
-                        <a:satMod val="245000"/>
-                      </a:schemeClr>
-                    </a:gs>
-                  </a:gsLst>
-                  <a:lin ang="5400000"/>
-                </a:gradFill>
-                <a:effectLst>
-                  <a:reflection blurRad="12700" stA="28000" endPos="45000" dist="1000" dir="5400000" sy="-100000" algn="bl" rotWithShape="0"/>
-                </a:effectLst>
-              </a:rPr>
-              <a:t> 檔範例</a:t>
+              <a:t>常見範例</a:t>
             </a:r>
             <a:endParaRPr lang="zh-TW" altLang="en-US" b="1" cap="all" dirty="0">
               <a:ln w="9000" cmpd="sng">
@@ -9806,239 +7955,6 @@
       </p:sp>
       <p:sp>
         <p:nvSpPr>
-          <p:cNvPr id="8195" name="內容版面配置區 4"/>
-          <p:cNvSpPr>
-            <a:spLocks noGrp="1"/>
-          </p:cNvSpPr>
-          <p:nvPr>
-            <p:ph idx="1"/>
-          </p:nvPr>
-        </p:nvSpPr>
-        <p:spPr>
-          <a:xfrm>
-            <a:off x="468313" y="1268413"/>
-            <a:ext cx="8229600" cy="5040312"/>
-          </a:xfrm>
-        </p:spPr>
-        <p:txBody>
-          <a:bodyPr/>
-          <a:lstStyle/>
-          <a:p>
-            <a:pPr>
-              <a:buFont typeface="Wingdings" pitchFamily="2" charset="2"/>
-              <a:buChar char="Ø"/>
-            </a:pPr>
-            <a:r>
-              <a:rPr lang="en-US" altLang="zh-TW" smtClean="0"/>
-              <a:t>ShowPhoto example</a:t>
-            </a:r>
-          </a:p>
-        </p:txBody>
-      </p:sp>
-    </p:spTree>
-    <p:extLst>
-      <p:ext uri="{BB962C8B-B14F-4D97-AF65-F5344CB8AC3E}">
-        <p14:creationId xmlns:p14="http://schemas.microsoft.com/office/powerpoint/2010/main" val="1820178617"/>
-      </p:ext>
-    </p:extLst>
-  </p:cSld>
-  <p:clrMapOvr>
-    <a:masterClrMapping/>
-  </p:clrMapOvr>
-  <mc:AlternateContent xmlns:mc="http://schemas.openxmlformats.org/markup-compatibility/2006">
-    <mc:Choice xmlns:p14="http://schemas.microsoft.com/office/powerpoint/2010/main" Requires="p14">
-      <p:transition spd="slow" p14:dur="2000"/>
-    </mc:Choice>
-    <mc:Fallback>
-      <p:transition spd="slow"/>
-    </mc:Fallback>
-  </mc:AlternateContent>
-  <p:timing>
-    <p:tnLst>
-      <p:par>
-        <p:cTn id="1" dur="indefinite" restart="never" nodeType="tmRoot"/>
-      </p:par>
-    </p:tnLst>
-  </p:timing>
-</p:sld>
-</file>
-
-<file path=ppt/slides/slide16.xml><?xml version="1.0" encoding="utf-8"?>
-<p:sld xmlns:a="http://schemas.openxmlformats.org/drawingml/2006/main" xmlns:r="http://schemas.openxmlformats.org/officeDocument/2006/relationships" xmlns:p="http://schemas.openxmlformats.org/presentationml/2006/main">
-  <p:cSld>
-    <p:spTree>
-      <p:nvGrpSpPr>
-        <p:cNvPr id="1" name=""/>
-        <p:cNvGrpSpPr/>
-        <p:nvPr/>
-      </p:nvGrpSpPr>
-      <p:grpSpPr>
-        <a:xfrm>
-          <a:off x="0" y="0"/>
-          <a:ext cx="0" cy="0"/>
-          <a:chOff x="0" y="0"/>
-          <a:chExt cx="0" cy="0"/>
-        </a:xfrm>
-      </p:grpSpPr>
-      <p:sp>
-        <p:nvSpPr>
-          <p:cNvPr id="4" name="標題 3"/>
-          <p:cNvSpPr>
-            <a:spLocks noGrp="1"/>
-          </p:cNvSpPr>
-          <p:nvPr>
-            <p:ph type="title"/>
-          </p:nvPr>
-        </p:nvSpPr>
-        <p:spPr>
-          <a:extLst/>
-        </p:spPr>
-        <p:txBody>
-          <a:bodyPr>
-            <a:normAutofit/>
-          </a:bodyPr>
-          <a:lstStyle/>
-          <a:p>
-            <a:pPr>
-              <a:defRPr/>
-            </a:pPr>
-            <a:r>
-              <a:rPr lang="en-US" altLang="zh-TW" b="1" cap="all" dirty="0" smtClean="0">
-                <a:ln w="9000" cmpd="sng">
-                  <a:solidFill>
-                    <a:schemeClr val="accent4">
-                      <a:shade val="50000"/>
-                      <a:satMod val="120000"/>
-                    </a:schemeClr>
-                  </a:solidFill>
-                  <a:prstDash val="solid"/>
-                </a:ln>
-                <a:gradFill>
-                  <a:gsLst>
-                    <a:gs pos="0">
-                      <a:schemeClr val="accent4">
-                        <a:shade val="20000"/>
-                        <a:satMod val="245000"/>
-                      </a:schemeClr>
-                    </a:gs>
-                    <a:gs pos="43000">
-                      <a:schemeClr val="accent4">
-                        <a:satMod val="255000"/>
-                      </a:schemeClr>
-                    </a:gs>
-                    <a:gs pos="48000">
-                      <a:schemeClr val="accent4">
-                        <a:shade val="85000"/>
-                        <a:satMod val="255000"/>
-                      </a:schemeClr>
-                    </a:gs>
-                    <a:gs pos="100000">
-                      <a:schemeClr val="accent4">
-                        <a:shade val="20000"/>
-                        <a:satMod val="245000"/>
-                      </a:schemeClr>
-                    </a:gs>
-                  </a:gsLst>
-                  <a:lin ang="5400000"/>
-                </a:gradFill>
-                <a:effectLst>
-                  <a:reflection blurRad="12700" stA="28000" endPos="45000" dist="1000" dir="5400000" sy="-100000" algn="bl" rotWithShape="0"/>
-                </a:effectLst>
-              </a:rPr>
-              <a:t> </a:t>
-            </a:r>
-            <a:r>
-              <a:rPr lang="zh-TW" altLang="en-US" b="1" cap="all" dirty="0" smtClean="0">
-                <a:ln w="9000" cmpd="sng">
-                  <a:solidFill>
-                    <a:schemeClr val="accent4">
-                      <a:shade val="50000"/>
-                      <a:satMod val="120000"/>
-                    </a:schemeClr>
-                  </a:solidFill>
-                  <a:prstDash val="solid"/>
-                </a:ln>
-                <a:gradFill>
-                  <a:gsLst>
-                    <a:gs pos="0">
-                      <a:schemeClr val="accent4">
-                        <a:shade val="20000"/>
-                        <a:satMod val="245000"/>
-                      </a:schemeClr>
-                    </a:gs>
-                    <a:gs pos="43000">
-                      <a:schemeClr val="accent4">
-                        <a:satMod val="255000"/>
-                      </a:schemeClr>
-                    </a:gs>
-                    <a:gs pos="48000">
-                      <a:schemeClr val="accent4">
-                        <a:shade val="85000"/>
-                        <a:satMod val="255000"/>
-                      </a:schemeClr>
-                    </a:gs>
-                    <a:gs pos="100000">
-                      <a:schemeClr val="accent4">
-                        <a:shade val="20000"/>
-                        <a:satMod val="245000"/>
-                      </a:schemeClr>
-                    </a:gs>
-                  </a:gsLst>
-                  <a:lin ang="5400000"/>
-                </a:gradFill>
-                <a:effectLst>
-                  <a:reflection blurRad="12700" stA="28000" endPos="45000" dist="1000" dir="5400000" sy="-100000" algn="bl" rotWithShape="0"/>
-                </a:effectLst>
-              </a:rPr>
-              <a:t>綜合練習</a:t>
-            </a:r>
-            <a:endParaRPr lang="zh-TW" altLang="en-US" b="1" cap="all" dirty="0">
-              <a:ln w="9000" cmpd="sng">
-                <a:solidFill>
-                  <a:schemeClr val="accent4">
-                    <a:shade val="50000"/>
-                    <a:satMod val="120000"/>
-                  </a:schemeClr>
-                </a:solidFill>
-                <a:prstDash val="solid"/>
-              </a:ln>
-              <a:gradFill>
-                <a:gsLst>
-                  <a:gs pos="0">
-                    <a:schemeClr val="accent4">
-                      <a:shade val="20000"/>
-                      <a:satMod val="245000"/>
-                    </a:schemeClr>
-                  </a:gs>
-                  <a:gs pos="43000">
-                    <a:schemeClr val="accent4">
-                      <a:satMod val="255000"/>
-                    </a:schemeClr>
-                  </a:gs>
-                  <a:gs pos="48000">
-                    <a:schemeClr val="accent4">
-                      <a:shade val="85000"/>
-                      <a:satMod val="255000"/>
-                    </a:schemeClr>
-                  </a:gs>
-                  <a:gs pos="100000">
-                    <a:schemeClr val="accent4">
-                      <a:shade val="20000"/>
-                      <a:satMod val="245000"/>
-                    </a:schemeClr>
-                  </a:gs>
-                </a:gsLst>
-                <a:lin ang="5400000"/>
-              </a:gradFill>
-              <a:effectLst>
-                <a:reflection blurRad="12700" stA="28000" endPos="45000" dist="1000" dir="5400000" sy="-100000" algn="bl" rotWithShape="0"/>
-              </a:effectLst>
-            </a:endParaRPr>
-          </a:p>
-        </p:txBody>
-      </p:sp>
-      <p:sp>
-        <p:nvSpPr>
           <p:cNvPr id="9219" name="內容版面配置區 4"/>
           <p:cNvSpPr>
             <a:spLocks noGrp="1"/>
@@ -10049,8 +7965,8 @@
         </p:nvSpPr>
         <p:spPr>
           <a:xfrm>
-            <a:off x="468313" y="1268413"/>
-            <a:ext cx="8229600" cy="5040312"/>
+            <a:off x="468313" y="1916831"/>
+            <a:ext cx="8229600" cy="4391893"/>
           </a:xfrm>
         </p:spPr>
         <p:txBody>
@@ -10061,296 +7977,61 @@
               <a:buFont typeface="Wingdings" pitchFamily="2" charset="2"/>
               <a:buChar char="Ø"/>
             </a:pPr>
+            <a:r>
+              <a:rPr lang="zh-TW" altLang="en-US" dirty="0" smtClean="0"/>
+              <a:t>將資料設定</a:t>
+            </a:r>
+            <a:r>
+              <a:rPr lang="en-US" altLang="zh-TW" dirty="0" smtClean="0"/>
+              <a:t>(</a:t>
+            </a:r>
+            <a:r>
+              <a:rPr lang="zh-TW" altLang="en-US" dirty="0" smtClean="0"/>
+              <a:t>或讀入</a:t>
+            </a:r>
+            <a:r>
+              <a:rPr lang="en-US" altLang="zh-TW" dirty="0" smtClean="0"/>
+              <a:t>)</a:t>
+            </a:r>
+            <a:r>
+              <a:rPr lang="zh-TW" altLang="en-US" dirty="0" smtClean="0"/>
+              <a:t>二維陣列當中</a:t>
+            </a:r>
             <a:endParaRPr lang="en-US" altLang="zh-TW" dirty="0" smtClean="0"/>
           </a:p>
-        </p:txBody>
-      </p:sp>
-    </p:spTree>
-    <p:extLst>
-      <p:ext uri="{BB962C8B-B14F-4D97-AF65-F5344CB8AC3E}">
-        <p14:creationId xmlns:p14="http://schemas.microsoft.com/office/powerpoint/2010/main" val="1605460563"/>
-      </p:ext>
-    </p:extLst>
-  </p:cSld>
-  <p:clrMapOvr>
-    <a:masterClrMapping/>
-  </p:clrMapOvr>
-  <mc:AlternateContent xmlns:mc="http://schemas.openxmlformats.org/markup-compatibility/2006">
-    <mc:Choice xmlns:p14="http://schemas.microsoft.com/office/powerpoint/2010/main" Requires="p14">
-      <p:transition spd="slow" p14:dur="2000"/>
-    </mc:Choice>
-    <mc:Fallback>
-      <p:transition spd="slow"/>
-    </mc:Fallback>
-  </mc:AlternateContent>
-  <p:timing>
-    <p:tnLst>
-      <p:par>
-        <p:cTn id="1" dur="indefinite" restart="never" nodeType="tmRoot"/>
-      </p:par>
-    </p:tnLst>
-  </p:timing>
-</p:sld>
-</file>
-
-<file path=ppt/slides/slide17.xml><?xml version="1.0" encoding="utf-8"?>
-<p:sld xmlns:a="http://schemas.openxmlformats.org/drawingml/2006/main" xmlns:r="http://schemas.openxmlformats.org/officeDocument/2006/relationships" xmlns:p="http://schemas.openxmlformats.org/presentationml/2006/main">
-  <p:cSld>
-    <p:spTree>
-      <p:nvGrpSpPr>
-        <p:cNvPr id="1" name=""/>
-        <p:cNvGrpSpPr/>
-        <p:nvPr/>
-      </p:nvGrpSpPr>
-      <p:grpSpPr>
-        <a:xfrm>
-          <a:off x="0" y="0"/>
-          <a:ext cx="0" cy="0"/>
-          <a:chOff x="0" y="0"/>
-          <a:chExt cx="0" cy="0"/>
-        </a:xfrm>
-      </p:grpSpPr>
-      <p:sp>
-        <p:nvSpPr>
-          <p:cNvPr id="4" name="標題 3"/>
-          <p:cNvSpPr>
-            <a:spLocks noGrp="1"/>
-          </p:cNvSpPr>
-          <p:nvPr>
-            <p:ph type="title"/>
-          </p:nvPr>
-        </p:nvSpPr>
-        <p:spPr>
-          <a:xfrm>
-            <a:off x="457200" y="274638"/>
-            <a:ext cx="8229600" cy="634082"/>
-          </a:xfrm>
-          <a:extLst/>
-        </p:spPr>
-        <p:txBody>
-          <a:bodyPr>
-            <a:normAutofit fontScale="90000"/>
-          </a:bodyPr>
-          <a:lstStyle/>
-          <a:p>
-            <a:pPr>
-              <a:defRPr/>
-            </a:pPr>
-            <a:r>
-              <a:rPr lang="zh-TW" altLang="en-US" b="1" cap="all" dirty="0" smtClean="0">
-                <a:ln w="9000" cmpd="sng">
-                  <a:solidFill>
-                    <a:schemeClr val="accent4">
-                      <a:shade val="50000"/>
-                      <a:satMod val="120000"/>
-                    </a:schemeClr>
-                  </a:solidFill>
-                  <a:prstDash val="solid"/>
-                </a:ln>
-                <a:gradFill>
-                  <a:gsLst>
-                    <a:gs pos="0">
-                      <a:schemeClr val="accent4">
-                        <a:shade val="20000"/>
-                        <a:satMod val="245000"/>
-                      </a:schemeClr>
-                    </a:gs>
-                    <a:gs pos="43000">
-                      <a:schemeClr val="accent4">
-                        <a:satMod val="255000"/>
-                      </a:schemeClr>
-                    </a:gs>
-                    <a:gs pos="48000">
-                      <a:schemeClr val="accent4">
-                        <a:shade val="85000"/>
-                        <a:satMod val="255000"/>
-                      </a:schemeClr>
-                    </a:gs>
-                    <a:gs pos="100000">
-                      <a:schemeClr val="accent4">
-                        <a:shade val="20000"/>
-                        <a:satMod val="245000"/>
-                      </a:schemeClr>
-                    </a:gs>
-                  </a:gsLst>
-                  <a:lin ang="5400000"/>
-                </a:gradFill>
-                <a:effectLst>
-                  <a:reflection blurRad="12700" stA="28000" endPos="45000" dist="1000" dir="5400000" sy="-100000" algn="bl" rotWithShape="0"/>
-                </a:effectLst>
-              </a:rPr>
-              <a:t>將陣列的值加到表格</a:t>
-            </a:r>
-            <a:r>
-              <a:rPr lang="zh-TW" altLang="en-US" b="1" cap="all" dirty="0">
-                <a:ln w="9000" cmpd="sng">
-                  <a:solidFill>
-                    <a:schemeClr val="accent4">
-                      <a:shade val="50000"/>
-                      <a:satMod val="120000"/>
-                    </a:schemeClr>
-                  </a:solidFill>
-                  <a:prstDash val="solid"/>
-                </a:ln>
-                <a:gradFill>
-                  <a:gsLst>
-                    <a:gs pos="0">
-                      <a:schemeClr val="accent4">
-                        <a:shade val="20000"/>
-                        <a:satMod val="245000"/>
-                      </a:schemeClr>
-                    </a:gs>
-                    <a:gs pos="43000">
-                      <a:schemeClr val="accent4">
-                        <a:satMod val="255000"/>
-                      </a:schemeClr>
-                    </a:gs>
-                    <a:gs pos="48000">
-                      <a:schemeClr val="accent4">
-                        <a:shade val="85000"/>
-                        <a:satMod val="255000"/>
-                      </a:schemeClr>
-                    </a:gs>
-                    <a:gs pos="100000">
-                      <a:schemeClr val="accent4">
-                        <a:shade val="20000"/>
-                        <a:satMod val="245000"/>
-                      </a:schemeClr>
-                    </a:gs>
-                  </a:gsLst>
-                  <a:lin ang="5400000"/>
-                </a:gradFill>
-                <a:effectLst>
-                  <a:reflection blurRad="12700" stA="28000" endPos="45000" dist="1000" dir="5400000" sy="-100000" algn="bl" rotWithShape="0"/>
-                </a:effectLst>
-              </a:rPr>
-              <a:t/>
-            </a:r>
-            <a:br>
-              <a:rPr lang="zh-TW" altLang="en-US" b="1" cap="all" dirty="0">
-                <a:ln w="9000" cmpd="sng">
-                  <a:solidFill>
-                    <a:schemeClr val="accent4">
-                      <a:shade val="50000"/>
-                      <a:satMod val="120000"/>
-                    </a:schemeClr>
-                  </a:solidFill>
-                  <a:prstDash val="solid"/>
-                </a:ln>
-                <a:gradFill>
-                  <a:gsLst>
-                    <a:gs pos="0">
-                      <a:schemeClr val="accent4">
-                        <a:shade val="20000"/>
-                        <a:satMod val="245000"/>
-                      </a:schemeClr>
-                    </a:gs>
-                    <a:gs pos="43000">
-                      <a:schemeClr val="accent4">
-                        <a:satMod val="255000"/>
-                      </a:schemeClr>
-                    </a:gs>
-                    <a:gs pos="48000">
-                      <a:schemeClr val="accent4">
-                        <a:shade val="85000"/>
-                        <a:satMod val="255000"/>
-                      </a:schemeClr>
-                    </a:gs>
-                    <a:gs pos="100000">
-                      <a:schemeClr val="accent4">
-                        <a:shade val="20000"/>
-                        <a:satMod val="245000"/>
-                      </a:schemeClr>
-                    </a:gs>
-                  </a:gsLst>
-                  <a:lin ang="5400000"/>
-                </a:gradFill>
-                <a:effectLst>
-                  <a:reflection blurRad="12700" stA="28000" endPos="45000" dist="1000" dir="5400000" sy="-100000" algn="bl" rotWithShape="0"/>
-                </a:effectLst>
-              </a:rPr>
-            </a:br>
-            <a:endParaRPr lang="zh-TW" altLang="en-US" b="1" cap="all" dirty="0">
-              <a:ln w="9000" cmpd="sng">
-                <a:solidFill>
-                  <a:schemeClr val="accent4">
-                    <a:shade val="50000"/>
-                    <a:satMod val="120000"/>
-                  </a:schemeClr>
-                </a:solidFill>
-                <a:prstDash val="solid"/>
-              </a:ln>
-              <a:gradFill>
-                <a:gsLst>
-                  <a:gs pos="0">
-                    <a:schemeClr val="accent4">
-                      <a:shade val="20000"/>
-                      <a:satMod val="245000"/>
-                    </a:schemeClr>
-                  </a:gs>
-                  <a:gs pos="43000">
-                    <a:schemeClr val="accent4">
-                      <a:satMod val="255000"/>
-                    </a:schemeClr>
-                  </a:gs>
-                  <a:gs pos="48000">
-                    <a:schemeClr val="accent4">
-                      <a:shade val="85000"/>
-                      <a:satMod val="255000"/>
-                    </a:schemeClr>
-                  </a:gs>
-                  <a:gs pos="100000">
-                    <a:schemeClr val="accent4">
-                      <a:shade val="20000"/>
-                      <a:satMod val="245000"/>
-                    </a:schemeClr>
-                  </a:gs>
-                </a:gsLst>
-                <a:lin ang="5400000"/>
-              </a:gradFill>
-              <a:effectLst>
-                <a:reflection blurRad="12700" stA="28000" endPos="45000" dist="1000" dir="5400000" sy="-100000" algn="bl" rotWithShape="0"/>
-              </a:effectLst>
-            </a:endParaRPr>
-          </a:p>
-        </p:txBody>
-      </p:sp>
-      <p:sp>
-        <p:nvSpPr>
-          <p:cNvPr id="4099" name="內容版面配置區 4"/>
-          <p:cNvSpPr>
-            <a:spLocks noGrp="1"/>
-          </p:cNvSpPr>
-          <p:nvPr>
-            <p:ph idx="1"/>
-          </p:nvPr>
-        </p:nvSpPr>
-        <p:spPr>
-          <a:xfrm>
-            <a:off x="468313" y="1268413"/>
-            <a:ext cx="8229600" cy="5040312"/>
-          </a:xfrm>
-        </p:spPr>
-        <p:txBody>
-          <a:bodyPr/>
-          <a:lstStyle/>
           <a:p>
             <a:pPr>
               <a:buFont typeface="Wingdings" pitchFamily="2" charset="2"/>
               <a:buChar char="Ø"/>
             </a:pPr>
             <a:r>
-              <a:rPr lang="en-US" altLang="zh-TW" dirty="0" err="1"/>
-              <a:t>var</a:t>
-            </a:r>
-            <a:r>
-              <a:rPr lang="en-US" altLang="zh-TW" dirty="0"/>
-              <a:t> colors = ["Red", "Green", "Blue</a:t>
+              <a:rPr lang="zh-TW" altLang="en-US" dirty="0"/>
+              <a:t>使用迴</a:t>
+            </a:r>
+            <a:r>
+              <a:rPr lang="zh-TW" altLang="en-US" dirty="0" smtClean="0"/>
+              <a:t>圈、陣列、數值運算等指令，進行資料處理</a:t>
+            </a:r>
+            <a:endParaRPr lang="en-US" altLang="zh-TW" dirty="0" smtClean="0"/>
+          </a:p>
+          <a:p>
+            <a:pPr lvl="1">
+              <a:buFont typeface="Wingdings" pitchFamily="2" charset="2"/>
+              <a:buChar char="Ø"/>
+            </a:pPr>
+            <a:r>
+              <a:rPr lang="zh-TW" altLang="en-US" dirty="0" smtClean="0"/>
+              <a:t>例如</a:t>
             </a:r>
             <a:r>
               <a:rPr lang="en-US" altLang="zh-TW" dirty="0" smtClean="0"/>
-              <a:t>"];</a:t>
-            </a:r>
+              <a:t>:</a:t>
+            </a:r>
+            <a:r>
+              <a:rPr lang="zh-TW" altLang="en-US" dirty="0" smtClean="0"/>
+              <a:t>算總和、算平均</a:t>
+            </a:r>
+            <a:endParaRPr lang="en-US" altLang="zh-TW" dirty="0" smtClean="0"/>
           </a:p>
           <a:p>
             <a:pPr>
@@ -10358,34 +8039,55 @@
               <a:buChar char="Ø"/>
             </a:pPr>
             <a:r>
-              <a:rPr lang="en-US" altLang="zh-TW" dirty="0" err="1"/>
-              <a:t>ArrayDataToTable.html</a:t>
-            </a:r>
-            <a:endParaRPr lang="en-US" altLang="zh-TW" dirty="0"/>
+              <a:rPr lang="zh-TW" altLang="en-US" dirty="0" smtClean="0"/>
+              <a:t>呈現陣列</a:t>
+            </a:r>
+            <a:r>
+              <a:rPr lang="zh-TW" altLang="en-US" dirty="0"/>
+              <a:t>內容及計算</a:t>
+            </a:r>
+            <a:r>
+              <a:rPr lang="zh-TW" altLang="en-US" dirty="0" smtClean="0"/>
+              <a:t>結果</a:t>
+            </a:r>
+            <a:endParaRPr lang="en-US" altLang="zh-TW" dirty="0" smtClean="0"/>
+          </a:p>
+          <a:p>
+            <a:pPr lvl="1">
+              <a:buFont typeface="Wingdings" pitchFamily="2" charset="2"/>
+              <a:buChar char="Ø"/>
+            </a:pPr>
+            <a:r>
+              <a:rPr lang="zh-TW" altLang="en-US" dirty="0"/>
+              <a:t>如</a:t>
+            </a:r>
+            <a:r>
+              <a:rPr lang="zh-TW" altLang="en-US" dirty="0" smtClean="0"/>
+              <a:t>套 </a:t>
+            </a:r>
+            <a:r>
+              <a:rPr lang="en-US" altLang="zh-TW" dirty="0" smtClean="0"/>
+              <a:t>HTML</a:t>
+            </a:r>
+            <a:r>
+              <a:rPr lang="zh-TW" altLang="en-US" dirty="0" smtClean="0"/>
+              <a:t> </a:t>
+            </a:r>
+            <a:r>
+              <a:rPr lang="en-US" altLang="zh-TW" dirty="0" smtClean="0"/>
+              <a:t>table </a:t>
+            </a:r>
+            <a:r>
+              <a:rPr lang="zh-TW" altLang="en-US" dirty="0" smtClean="0"/>
+              <a:t>呈現結果</a:t>
+            </a:r>
+            <a:endParaRPr lang="en-US" altLang="zh-TW" dirty="0" smtClean="0"/>
           </a:p>
           <a:p>
             <a:pPr>
               <a:buFont typeface="Wingdings" pitchFamily="2" charset="2"/>
               <a:buChar char="Ø"/>
             </a:pPr>
-            <a:r>
-              <a:rPr lang="en-US" altLang="zh-TW" dirty="0" err="1"/>
-              <a:t>AddTableEvent.html</a:t>
-            </a:r>
-            <a:endParaRPr lang="en-US" altLang="zh-TW" dirty="0"/>
-          </a:p>
-          <a:p>
-            <a:pPr>
-              <a:buFont typeface="Wingdings" pitchFamily="2" charset="2"/>
-              <a:buChar char="Ø"/>
-            </a:pPr>
-            <a:endParaRPr lang="en-US" altLang="zh-TW" dirty="0"/>
-          </a:p>
-          <a:p>
-            <a:pPr lvl="1">
-              <a:buFont typeface="Wingdings" pitchFamily="2" charset="2"/>
-              <a:buChar char="Ø"/>
-            </a:pPr>
             <a:endParaRPr lang="en-US" altLang="zh-TW" dirty="0" smtClean="0"/>
           </a:p>
         </p:txBody>
@@ -10393,503 +8095,7 @@
     </p:spTree>
     <p:extLst>
       <p:ext uri="{BB962C8B-B14F-4D97-AF65-F5344CB8AC3E}">
-        <p14:creationId xmlns:p14="http://schemas.microsoft.com/office/powerpoint/2010/main" val="1714616023"/>
-      </p:ext>
-    </p:extLst>
-  </p:cSld>
-  <p:clrMapOvr>
-    <a:masterClrMapping/>
-  </p:clrMapOvr>
-  <mc:AlternateContent xmlns:mc="http://schemas.openxmlformats.org/markup-compatibility/2006" xmlns:p14="http://schemas.microsoft.com/office/powerpoint/2010/main">
-    <mc:Choice Requires="p14">
-      <p:transition spd="slow" p14:dur="2000"/>
-    </mc:Choice>
-    <mc:Fallback xmlns="">
-      <p:transition spd="slow"/>
-    </mc:Fallback>
-  </mc:AlternateContent>
-  <p:timing>
-    <p:tnLst>
-      <p:par>
-        <p:cTn id="1" dur="indefinite" restart="never" nodeType="tmRoot"/>
-      </p:par>
-    </p:tnLst>
-  </p:timing>
-</p:sld>
-</file>
-
-<file path=ppt/slides/slide18.xml><?xml version="1.0" encoding="utf-8"?>
-<p:sld xmlns:a="http://schemas.openxmlformats.org/drawingml/2006/main" xmlns:r="http://schemas.openxmlformats.org/officeDocument/2006/relationships" xmlns:p="http://schemas.openxmlformats.org/presentationml/2006/main">
-  <p:cSld>
-    <p:spTree>
-      <p:nvGrpSpPr>
-        <p:cNvPr id="1" name=""/>
-        <p:cNvGrpSpPr/>
-        <p:nvPr/>
-      </p:nvGrpSpPr>
-      <p:grpSpPr>
-        <a:xfrm>
-          <a:off x="0" y="0"/>
-          <a:ext cx="0" cy="0"/>
-          <a:chOff x="0" y="0"/>
-          <a:chExt cx="0" cy="0"/>
-        </a:xfrm>
-      </p:grpSpPr>
-      <p:sp>
-        <p:nvSpPr>
-          <p:cNvPr id="4" name="標題 3"/>
-          <p:cNvSpPr>
-            <a:spLocks noGrp="1"/>
-          </p:cNvSpPr>
-          <p:nvPr>
-            <p:ph type="title"/>
-          </p:nvPr>
-        </p:nvSpPr>
-        <p:spPr>
-          <a:xfrm>
-            <a:off x="457200" y="274638"/>
-            <a:ext cx="8229600" cy="634082"/>
-          </a:xfrm>
-          <a:extLst/>
-        </p:spPr>
-        <p:txBody>
-          <a:bodyPr>
-            <a:normAutofit fontScale="90000"/>
-          </a:bodyPr>
-          <a:lstStyle/>
-          <a:p>
-            <a:pPr>
-              <a:defRPr/>
-            </a:pPr>
-            <a:r>
-              <a:rPr lang="zh-TW" altLang="en-US" b="1" cap="all" dirty="0" smtClean="0">
-                <a:ln w="9000" cmpd="sng">
-                  <a:solidFill>
-                    <a:schemeClr val="accent4">
-                      <a:shade val="50000"/>
-                      <a:satMod val="120000"/>
-                    </a:schemeClr>
-                  </a:solidFill>
-                  <a:prstDash val="solid"/>
-                </a:ln>
-                <a:gradFill>
-                  <a:gsLst>
-                    <a:gs pos="0">
-                      <a:schemeClr val="accent4">
-                        <a:shade val="20000"/>
-                        <a:satMod val="245000"/>
-                      </a:schemeClr>
-                    </a:gs>
-                    <a:gs pos="43000">
-                      <a:schemeClr val="accent4">
-                        <a:satMod val="255000"/>
-                      </a:schemeClr>
-                    </a:gs>
-                    <a:gs pos="48000">
-                      <a:schemeClr val="accent4">
-                        <a:shade val="85000"/>
-                        <a:satMod val="255000"/>
-                      </a:schemeClr>
-                    </a:gs>
-                    <a:gs pos="100000">
-                      <a:schemeClr val="accent4">
-                        <a:shade val="20000"/>
-                        <a:satMod val="245000"/>
-                      </a:schemeClr>
-                    </a:gs>
-                  </a:gsLst>
-                  <a:lin ang="5400000"/>
-                </a:gradFill>
-                <a:effectLst>
-                  <a:reflection blurRad="12700" stA="28000" endPos="45000" dist="1000" dir="5400000" sy="-100000" algn="bl" rotWithShape="0"/>
-                </a:effectLst>
-              </a:rPr>
-              <a:t>將陣列的值加下拉選單</a:t>
-            </a:r>
-            <a:endParaRPr lang="zh-TW" altLang="en-US" b="1" cap="all" dirty="0">
-              <a:ln w="9000" cmpd="sng">
-                <a:solidFill>
-                  <a:schemeClr val="accent4">
-                    <a:shade val="50000"/>
-                    <a:satMod val="120000"/>
-                  </a:schemeClr>
-                </a:solidFill>
-                <a:prstDash val="solid"/>
-              </a:ln>
-              <a:gradFill>
-                <a:gsLst>
-                  <a:gs pos="0">
-                    <a:schemeClr val="accent4">
-                      <a:shade val="20000"/>
-                      <a:satMod val="245000"/>
-                    </a:schemeClr>
-                  </a:gs>
-                  <a:gs pos="43000">
-                    <a:schemeClr val="accent4">
-                      <a:satMod val="255000"/>
-                    </a:schemeClr>
-                  </a:gs>
-                  <a:gs pos="48000">
-                    <a:schemeClr val="accent4">
-                      <a:shade val="85000"/>
-                      <a:satMod val="255000"/>
-                    </a:schemeClr>
-                  </a:gs>
-                  <a:gs pos="100000">
-                    <a:schemeClr val="accent4">
-                      <a:shade val="20000"/>
-                      <a:satMod val="245000"/>
-                    </a:schemeClr>
-                  </a:gs>
-                </a:gsLst>
-                <a:lin ang="5400000"/>
-              </a:gradFill>
-              <a:effectLst>
-                <a:reflection blurRad="12700" stA="28000" endPos="45000" dist="1000" dir="5400000" sy="-100000" algn="bl" rotWithShape="0"/>
-              </a:effectLst>
-            </a:endParaRPr>
-          </a:p>
-        </p:txBody>
-      </p:sp>
-      <p:sp>
-        <p:nvSpPr>
-          <p:cNvPr id="4099" name="內容版面配置區 4"/>
-          <p:cNvSpPr>
-            <a:spLocks noGrp="1"/>
-          </p:cNvSpPr>
-          <p:nvPr>
-            <p:ph idx="1"/>
-          </p:nvPr>
-        </p:nvSpPr>
-        <p:spPr>
-          <a:xfrm>
-            <a:off x="468313" y="1268413"/>
-            <a:ext cx="8229600" cy="5040312"/>
-          </a:xfrm>
-        </p:spPr>
-        <p:txBody>
-          <a:bodyPr/>
-          <a:lstStyle/>
-          <a:p>
-            <a:pPr>
-              <a:buFont typeface="Wingdings" pitchFamily="2" charset="2"/>
-              <a:buChar char="Ø"/>
-            </a:pPr>
-            <a:r>
-              <a:rPr lang="en-US" altLang="zh-TW" dirty="0" err="1"/>
-              <a:t>var</a:t>
-            </a:r>
-            <a:r>
-              <a:rPr lang="en-US" altLang="zh-TW" dirty="0"/>
-              <a:t> colors = ["Red", "Green", "Blue"];</a:t>
-            </a:r>
-          </a:p>
-          <a:p>
-            <a:pPr lvl="1">
-              <a:buFont typeface="Wingdings" pitchFamily="2" charset="2"/>
-              <a:buChar char="Ø"/>
-            </a:pPr>
-            <a:endParaRPr lang="en-US" altLang="zh-TW" dirty="0" smtClean="0"/>
-          </a:p>
-        </p:txBody>
-      </p:sp>
-    </p:spTree>
-    <p:extLst>
-      <p:ext uri="{BB962C8B-B14F-4D97-AF65-F5344CB8AC3E}">
-        <p14:creationId xmlns:p14="http://schemas.microsoft.com/office/powerpoint/2010/main" val="3957592756"/>
-      </p:ext>
-    </p:extLst>
-  </p:cSld>
-  <p:clrMapOvr>
-    <a:masterClrMapping/>
-  </p:clrMapOvr>
-  <mc:AlternateContent xmlns:mc="http://schemas.openxmlformats.org/markup-compatibility/2006" xmlns:p14="http://schemas.microsoft.com/office/powerpoint/2010/main">
-    <mc:Choice Requires="p14">
-      <p:transition spd="slow" p14:dur="2000"/>
-    </mc:Choice>
-    <mc:Fallback xmlns="">
-      <p:transition spd="slow"/>
-    </mc:Fallback>
-  </mc:AlternateContent>
-  <p:timing>
-    <p:tnLst>
-      <p:par>
-        <p:cTn id="1" dur="indefinite" restart="never" nodeType="tmRoot"/>
-      </p:par>
-    </p:tnLst>
-  </p:timing>
-</p:sld>
-</file>
-
-<file path=ppt/slides/slide19.xml><?xml version="1.0" encoding="utf-8"?>
-<p:sld xmlns:a="http://schemas.openxmlformats.org/drawingml/2006/main" xmlns:r="http://schemas.openxmlformats.org/officeDocument/2006/relationships" xmlns:p="http://schemas.openxmlformats.org/presentationml/2006/main">
-  <p:cSld>
-    <p:spTree>
-      <p:nvGrpSpPr>
-        <p:cNvPr id="1" name=""/>
-        <p:cNvGrpSpPr/>
-        <p:nvPr/>
-      </p:nvGrpSpPr>
-      <p:grpSpPr>
-        <a:xfrm>
-          <a:off x="0" y="0"/>
-          <a:ext cx="0" cy="0"/>
-          <a:chOff x="0" y="0"/>
-          <a:chExt cx="0" cy="0"/>
-        </a:xfrm>
-      </p:grpSpPr>
-      <p:sp>
-        <p:nvSpPr>
-          <p:cNvPr id="4" name="標題 3"/>
-          <p:cNvSpPr>
-            <a:spLocks noGrp="1"/>
-          </p:cNvSpPr>
-          <p:nvPr>
-            <p:ph type="title"/>
-          </p:nvPr>
-        </p:nvSpPr>
-        <p:spPr>
-          <a:xfrm>
-            <a:off x="457200" y="274638"/>
-            <a:ext cx="8229600" cy="634082"/>
-          </a:xfrm>
-          <a:extLst/>
-        </p:spPr>
-        <p:txBody>
-          <a:bodyPr>
-            <a:normAutofit fontScale="90000"/>
-          </a:bodyPr>
-          <a:lstStyle/>
-          <a:p>
-            <a:pPr>
-              <a:defRPr/>
-            </a:pPr>
-            <a:r>
-              <a:rPr lang="zh-TW" altLang="en-US" b="1" cap="all" dirty="0" smtClean="0">
-                <a:ln w="9000" cmpd="sng">
-                  <a:solidFill>
-                    <a:schemeClr val="accent4">
-                      <a:shade val="50000"/>
-                      <a:satMod val="120000"/>
-                    </a:schemeClr>
-                  </a:solidFill>
-                  <a:prstDash val="solid"/>
-                </a:ln>
-                <a:gradFill>
-                  <a:gsLst>
-                    <a:gs pos="0">
-                      <a:schemeClr val="accent4">
-                        <a:shade val="20000"/>
-                        <a:satMod val="245000"/>
-                      </a:schemeClr>
-                    </a:gs>
-                    <a:gs pos="43000">
-                      <a:schemeClr val="accent4">
-                        <a:satMod val="255000"/>
-                      </a:schemeClr>
-                    </a:gs>
-                    <a:gs pos="48000">
-                      <a:schemeClr val="accent4">
-                        <a:shade val="85000"/>
-                        <a:satMod val="255000"/>
-                      </a:schemeClr>
-                    </a:gs>
-                    <a:gs pos="100000">
-                      <a:schemeClr val="accent4">
-                        <a:shade val="20000"/>
-                        <a:satMod val="245000"/>
-                      </a:schemeClr>
-                    </a:gs>
-                  </a:gsLst>
-                  <a:lin ang="5400000"/>
-                </a:gradFill>
-                <a:effectLst>
-                  <a:reflection blurRad="12700" stA="28000" endPos="45000" dist="1000" dir="5400000" sy="-100000" algn="bl" rotWithShape="0"/>
-                </a:effectLst>
-              </a:rPr>
-              <a:t>將一組 </a:t>
-            </a:r>
-            <a:r>
-              <a:rPr lang="en-US" altLang="zh-TW" b="1" cap="all" dirty="0" smtClean="0">
-                <a:ln w="9000" cmpd="sng">
-                  <a:solidFill>
-                    <a:schemeClr val="accent4">
-                      <a:shade val="50000"/>
-                      <a:satMod val="120000"/>
-                    </a:schemeClr>
-                  </a:solidFill>
-                  <a:prstDash val="solid"/>
-                </a:ln>
-                <a:gradFill>
-                  <a:gsLst>
-                    <a:gs pos="0">
-                      <a:schemeClr val="accent4">
-                        <a:shade val="20000"/>
-                        <a:satMod val="245000"/>
-                      </a:schemeClr>
-                    </a:gs>
-                    <a:gs pos="43000">
-                      <a:schemeClr val="accent4">
-                        <a:satMod val="255000"/>
-                      </a:schemeClr>
-                    </a:gs>
-                    <a:gs pos="48000">
-                      <a:schemeClr val="accent4">
-                        <a:shade val="85000"/>
-                        <a:satMod val="255000"/>
-                      </a:schemeClr>
-                    </a:gs>
-                    <a:gs pos="100000">
-                      <a:schemeClr val="accent4">
-                        <a:shade val="20000"/>
-                        <a:satMod val="245000"/>
-                      </a:schemeClr>
-                    </a:gs>
-                  </a:gsLst>
-                  <a:lin ang="5400000"/>
-                </a:gradFill>
-                <a:effectLst>
-                  <a:reflection blurRad="12700" stA="28000" endPos="45000" dist="1000" dir="5400000" sy="-100000" algn="bl" rotWithShape="0"/>
-                </a:effectLst>
-              </a:rPr>
-              <a:t>check box </a:t>
-            </a:r>
-            <a:r>
-              <a:rPr lang="zh-TW" altLang="en-US" b="1" cap="all" smtClean="0">
-                <a:ln w="9000" cmpd="sng">
-                  <a:solidFill>
-                    <a:schemeClr val="accent4">
-                      <a:shade val="50000"/>
-                      <a:satMod val="120000"/>
-                    </a:schemeClr>
-                  </a:solidFill>
-                  <a:prstDash val="solid"/>
-                </a:ln>
-                <a:gradFill>
-                  <a:gsLst>
-                    <a:gs pos="0">
-                      <a:schemeClr val="accent4">
-                        <a:shade val="20000"/>
-                        <a:satMod val="245000"/>
-                      </a:schemeClr>
-                    </a:gs>
-                    <a:gs pos="43000">
-                      <a:schemeClr val="accent4">
-                        <a:satMod val="255000"/>
-                      </a:schemeClr>
-                    </a:gs>
-                    <a:gs pos="48000">
-                      <a:schemeClr val="accent4">
-                        <a:shade val="85000"/>
-                        <a:satMod val="255000"/>
-                      </a:schemeClr>
-                    </a:gs>
-                    <a:gs pos="100000">
-                      <a:schemeClr val="accent4">
-                        <a:shade val="20000"/>
-                        <a:satMod val="245000"/>
-                      </a:schemeClr>
-                    </a:gs>
-                  </a:gsLst>
-                  <a:lin ang="5400000"/>
-                </a:gradFill>
-                <a:effectLst>
-                  <a:reflection blurRad="12700" stA="28000" endPos="45000" dist="1000" dir="5400000" sy="-100000" algn="bl" rotWithShape="0"/>
-                </a:effectLst>
-              </a:rPr>
-              <a:t>的點選資訊加到陣列當中</a:t>
-            </a:r>
-            <a:endParaRPr lang="zh-TW" altLang="en-US" b="1" cap="all" dirty="0">
-              <a:ln w="9000" cmpd="sng">
-                <a:solidFill>
-                  <a:schemeClr val="accent4">
-                    <a:shade val="50000"/>
-                    <a:satMod val="120000"/>
-                  </a:schemeClr>
-                </a:solidFill>
-                <a:prstDash val="solid"/>
-              </a:ln>
-              <a:gradFill>
-                <a:gsLst>
-                  <a:gs pos="0">
-                    <a:schemeClr val="accent4">
-                      <a:shade val="20000"/>
-                      <a:satMod val="245000"/>
-                    </a:schemeClr>
-                  </a:gs>
-                  <a:gs pos="43000">
-                    <a:schemeClr val="accent4">
-                      <a:satMod val="255000"/>
-                    </a:schemeClr>
-                  </a:gs>
-                  <a:gs pos="48000">
-                    <a:schemeClr val="accent4">
-                      <a:shade val="85000"/>
-                      <a:satMod val="255000"/>
-                    </a:schemeClr>
-                  </a:gs>
-                  <a:gs pos="100000">
-                    <a:schemeClr val="accent4">
-                      <a:shade val="20000"/>
-                      <a:satMod val="245000"/>
-                    </a:schemeClr>
-                  </a:gs>
-                </a:gsLst>
-                <a:lin ang="5400000"/>
-              </a:gradFill>
-              <a:effectLst>
-                <a:reflection blurRad="12700" stA="28000" endPos="45000" dist="1000" dir="5400000" sy="-100000" algn="bl" rotWithShape="0"/>
-              </a:effectLst>
-            </a:endParaRPr>
-          </a:p>
-        </p:txBody>
-      </p:sp>
-      <p:sp>
-        <p:nvSpPr>
-          <p:cNvPr id="4099" name="內容版面配置區 4"/>
-          <p:cNvSpPr>
-            <a:spLocks noGrp="1"/>
-          </p:cNvSpPr>
-          <p:nvPr>
-            <p:ph idx="1"/>
-          </p:nvPr>
-        </p:nvSpPr>
-        <p:spPr>
-          <a:xfrm>
-            <a:off x="468313" y="1268413"/>
-            <a:ext cx="8229600" cy="5040312"/>
-          </a:xfrm>
-        </p:spPr>
-        <p:txBody>
-          <a:bodyPr/>
-          <a:lstStyle/>
-          <a:p>
-            <a:pPr>
-              <a:buFont typeface="Wingdings" pitchFamily="2" charset="2"/>
-              <a:buChar char="Ø"/>
-            </a:pPr>
-            <a:r>
-              <a:rPr lang="en-US" altLang="zh-TW" dirty="0" err="1"/>
-              <a:t>var</a:t>
-            </a:r>
-            <a:r>
-              <a:rPr lang="en-US" altLang="zh-TW" dirty="0"/>
-              <a:t> colors = ["Red", "Green", "Blue"];</a:t>
-            </a:r>
-          </a:p>
-          <a:p>
-            <a:pPr lvl="1">
-              <a:buFont typeface="Wingdings" pitchFamily="2" charset="2"/>
-              <a:buChar char="Ø"/>
-            </a:pPr>
-            <a:endParaRPr lang="en-US" altLang="zh-TW" dirty="0" smtClean="0"/>
-          </a:p>
-        </p:txBody>
-      </p:sp>
-    </p:spTree>
-    <p:extLst>
-      <p:ext uri="{BB962C8B-B14F-4D97-AF65-F5344CB8AC3E}">
-        <p14:creationId xmlns:p14="http://schemas.microsoft.com/office/powerpoint/2010/main" val="3851002272"/>
+        <p14:creationId xmlns:p14="http://schemas.microsoft.com/office/powerpoint/2010/main" val="4121785081"/>
       </p:ext>
     </p:extLst>
   </p:cSld>
@@ -11241,15 +8447,7 @@
             </a:r>
             <a:r>
               <a:rPr lang="zh-TW" altLang="en-US" dirty="0" smtClean="0"/>
-              <a:t> </a:t>
-            </a:r>
-            <a:r>
-              <a:rPr lang="zh-TW" altLang="en-US" dirty="0" smtClean="0"/>
-              <a:t>方法與</a:t>
-            </a:r>
-            <a:r>
-              <a:rPr lang="zh-TW" altLang="en-US" dirty="0" smtClean="0"/>
-              <a:t>屬性</a:t>
+              <a:t> 方法與屬性</a:t>
             </a:r>
             <a:endParaRPr lang="en-US" altLang="zh-TW" dirty="0" smtClean="0"/>
           </a:p>
@@ -11279,897 +8477,6 @@
     <p:extLst>
       <p:ext uri="{BB962C8B-B14F-4D97-AF65-F5344CB8AC3E}">
         <p14:creationId xmlns:p14="http://schemas.microsoft.com/office/powerpoint/2010/main" val="1345574041"/>
-      </p:ext>
-    </p:extLst>
-  </p:cSld>
-  <p:clrMapOvr>
-    <a:masterClrMapping/>
-  </p:clrMapOvr>
-  <mc:AlternateContent xmlns:mc="http://schemas.openxmlformats.org/markup-compatibility/2006">
-    <mc:Choice xmlns:p14="http://schemas.microsoft.com/office/powerpoint/2010/main" Requires="p14">
-      <p:transition spd="slow" p14:dur="2000"/>
-    </mc:Choice>
-    <mc:Fallback>
-      <p:transition spd="slow"/>
-    </mc:Fallback>
-  </mc:AlternateContent>
-  <p:timing>
-    <p:tnLst>
-      <p:par>
-        <p:cTn id="1" dur="indefinite" restart="never" nodeType="tmRoot"/>
-      </p:par>
-    </p:tnLst>
-  </p:timing>
-</p:sld>
-</file>
-
-<file path=ppt/slides/slide20.xml><?xml version="1.0" encoding="utf-8"?>
-<p:sld xmlns:a="http://schemas.openxmlformats.org/drawingml/2006/main" xmlns:r="http://schemas.openxmlformats.org/officeDocument/2006/relationships" xmlns:p="http://schemas.openxmlformats.org/presentationml/2006/main">
-  <p:cSld>
-    <p:spTree>
-      <p:nvGrpSpPr>
-        <p:cNvPr id="1" name=""/>
-        <p:cNvGrpSpPr/>
-        <p:nvPr/>
-      </p:nvGrpSpPr>
-      <p:grpSpPr>
-        <a:xfrm>
-          <a:off x="0" y="0"/>
-          <a:ext cx="0" cy="0"/>
-          <a:chOff x="0" y="0"/>
-          <a:chExt cx="0" cy="0"/>
-        </a:xfrm>
-      </p:grpSpPr>
-      <p:sp>
-        <p:nvSpPr>
-          <p:cNvPr id="8194" name="標題 1"/>
-          <p:cNvSpPr>
-            <a:spLocks noGrp="1"/>
-          </p:cNvSpPr>
-          <p:nvPr>
-            <p:ph type="title"/>
-          </p:nvPr>
-        </p:nvSpPr>
-        <p:spPr/>
-        <p:txBody>
-          <a:bodyPr/>
-          <a:lstStyle/>
-          <a:p>
-            <a:r>
-              <a:rPr lang="en-US" altLang="zh-TW" smtClean="0"/>
-              <a:t>array </a:t>
-            </a:r>
-            <a:r>
-              <a:rPr lang="zh-TW" altLang="en-US" smtClean="0"/>
-              <a:t>與 </a:t>
-            </a:r>
-            <a:r>
-              <a:rPr lang="en-US" altLang="zh-TW" smtClean="0"/>
-              <a:t>loop </a:t>
-            </a:r>
-            <a:r>
-              <a:rPr lang="zh-TW" altLang="en-US" smtClean="0"/>
-              <a:t>共舞</a:t>
-            </a:r>
-          </a:p>
-        </p:txBody>
-      </p:sp>
-      <p:sp>
-        <p:nvSpPr>
-          <p:cNvPr id="8195" name="內容版面配置區 2"/>
-          <p:cNvSpPr>
-            <a:spLocks noGrp="1"/>
-          </p:cNvSpPr>
-          <p:nvPr>
-            <p:ph idx="1"/>
-          </p:nvPr>
-        </p:nvSpPr>
-        <p:spPr/>
-        <p:txBody>
-          <a:bodyPr/>
-          <a:lstStyle/>
-          <a:p>
-            <a:r>
-              <a:rPr lang="en-US" altLang="zh-TW" smtClean="0"/>
-              <a:t>https://www.w3schools.com/js/tryit.asp?filename=tryjs_array_loop</a:t>
-            </a:r>
-          </a:p>
-          <a:p>
-            <a:endParaRPr lang="zh-TW" altLang="en-US" smtClean="0"/>
-          </a:p>
-        </p:txBody>
-      </p:sp>
-    </p:spTree>
-    <p:extLst>
-      <p:ext uri="{BB962C8B-B14F-4D97-AF65-F5344CB8AC3E}">
-        <p14:creationId xmlns:p14="http://schemas.microsoft.com/office/powerpoint/2010/main" val="320009117"/>
-      </p:ext>
-    </p:extLst>
-  </p:cSld>
-  <p:clrMapOvr>
-    <a:masterClrMapping/>
-  </p:clrMapOvr>
-  <mc:AlternateContent xmlns:mc="http://schemas.openxmlformats.org/markup-compatibility/2006">
-    <mc:Choice xmlns:p14="http://schemas.microsoft.com/office/powerpoint/2010/main" Requires="p14">
-      <p:transition spd="slow" p14:dur="2000"/>
-    </mc:Choice>
-    <mc:Fallback>
-      <p:transition spd="slow"/>
-    </mc:Fallback>
-  </mc:AlternateContent>
-</p:sld>
-</file>
-
-<file path=ppt/slides/slide21.xml><?xml version="1.0" encoding="utf-8"?>
-<p:sld xmlns:a="http://schemas.openxmlformats.org/drawingml/2006/main" xmlns:r="http://schemas.openxmlformats.org/officeDocument/2006/relationships" xmlns:p="http://schemas.openxmlformats.org/presentationml/2006/main">
-  <p:cSld>
-    <p:spTree>
-      <p:nvGrpSpPr>
-        <p:cNvPr id="1" name=""/>
-        <p:cNvGrpSpPr/>
-        <p:nvPr/>
-      </p:nvGrpSpPr>
-      <p:grpSpPr>
-        <a:xfrm>
-          <a:off x="0" y="0"/>
-          <a:ext cx="0" cy="0"/>
-          <a:chOff x="0" y="0"/>
-          <a:chExt cx="0" cy="0"/>
-        </a:xfrm>
-      </p:grpSpPr>
-      <p:sp>
-        <p:nvSpPr>
-          <p:cNvPr id="9218" name="標題 1"/>
-          <p:cNvSpPr>
-            <a:spLocks noGrp="1"/>
-          </p:cNvSpPr>
-          <p:nvPr>
-            <p:ph type="title"/>
-          </p:nvPr>
-        </p:nvSpPr>
-        <p:spPr/>
-        <p:txBody>
-          <a:bodyPr/>
-          <a:lstStyle/>
-          <a:p>
-            <a:r>
-              <a:rPr lang="en-US" altLang="zh-TW" smtClean="0"/>
-              <a:t>array + loop + table</a:t>
-            </a:r>
-            <a:endParaRPr lang="zh-TW" altLang="en-US" smtClean="0"/>
-          </a:p>
-        </p:txBody>
-      </p:sp>
-      <p:sp>
-        <p:nvSpPr>
-          <p:cNvPr id="9219" name="內容版面配置區 2"/>
-          <p:cNvSpPr>
-            <a:spLocks noGrp="1"/>
-          </p:cNvSpPr>
-          <p:nvPr>
-            <p:ph idx="1"/>
-          </p:nvPr>
-        </p:nvSpPr>
-        <p:spPr/>
-        <p:txBody>
-          <a:bodyPr/>
-          <a:lstStyle/>
-          <a:p>
-            <a:r>
-              <a:rPr lang="zh-TW" altLang="en-US" smtClean="0"/>
-              <a:t>從以下範例修改 </a:t>
-            </a:r>
-            <a:r>
-              <a:rPr lang="en-US" altLang="zh-TW" smtClean="0"/>
-              <a:t>https://www.w3schools.com/jsref/met_tablerow_insertcell.asp</a:t>
-            </a:r>
-            <a:endParaRPr lang="zh-TW" altLang="en-US" smtClean="0"/>
-          </a:p>
-        </p:txBody>
-      </p:sp>
-    </p:spTree>
-    <p:extLst>
-      <p:ext uri="{BB962C8B-B14F-4D97-AF65-F5344CB8AC3E}">
-        <p14:creationId xmlns:p14="http://schemas.microsoft.com/office/powerpoint/2010/main" val="4283086331"/>
-      </p:ext>
-    </p:extLst>
-  </p:cSld>
-  <p:clrMapOvr>
-    <a:masterClrMapping/>
-  </p:clrMapOvr>
-  <mc:AlternateContent xmlns:mc="http://schemas.openxmlformats.org/markup-compatibility/2006">
-    <mc:Choice xmlns:p14="http://schemas.microsoft.com/office/powerpoint/2010/main" Requires="p14">
-      <p:transition spd="slow" p14:dur="2000"/>
-    </mc:Choice>
-    <mc:Fallback>
-      <p:transition spd="slow"/>
-    </mc:Fallback>
-  </mc:AlternateContent>
-</p:sld>
-</file>
-
-<file path=ppt/slides/slide22.xml><?xml version="1.0" encoding="utf-8"?>
-<p:sld xmlns:a="http://schemas.openxmlformats.org/drawingml/2006/main" xmlns:r="http://schemas.openxmlformats.org/officeDocument/2006/relationships" xmlns:p="http://schemas.openxmlformats.org/presentationml/2006/main">
-  <p:cSld>
-    <p:spTree>
-      <p:nvGrpSpPr>
-        <p:cNvPr id="1" name=""/>
-        <p:cNvGrpSpPr/>
-        <p:nvPr/>
-      </p:nvGrpSpPr>
-      <p:grpSpPr>
-        <a:xfrm>
-          <a:off x="0" y="0"/>
-          <a:ext cx="0" cy="0"/>
-          <a:chOff x="0" y="0"/>
-          <a:chExt cx="0" cy="0"/>
-        </a:xfrm>
-      </p:grpSpPr>
-      <p:sp>
-        <p:nvSpPr>
-          <p:cNvPr id="10242" name="標題 1"/>
-          <p:cNvSpPr>
-            <a:spLocks noGrp="1"/>
-          </p:cNvSpPr>
-          <p:nvPr>
-            <p:ph type="title"/>
-          </p:nvPr>
-        </p:nvSpPr>
-        <p:spPr/>
-        <p:txBody>
-          <a:bodyPr/>
-          <a:lstStyle/>
-          <a:p>
-            <a:r>
-              <a:rPr lang="en-US" altLang="zh-TW" smtClean="0"/>
-              <a:t>CSV</a:t>
-            </a:r>
-            <a:r>
-              <a:rPr lang="zh-TW" altLang="en-US" smtClean="0"/>
-              <a:t> </a:t>
-            </a:r>
-            <a:r>
-              <a:rPr lang="en-US" altLang="zh-TW" smtClean="0"/>
-              <a:t>data to array</a:t>
-            </a:r>
-            <a:endParaRPr lang="zh-TW" altLang="en-US" smtClean="0"/>
-          </a:p>
-        </p:txBody>
-      </p:sp>
-      <p:sp>
-        <p:nvSpPr>
-          <p:cNvPr id="10243" name="內容版面配置區 2"/>
-          <p:cNvSpPr>
-            <a:spLocks noGrp="1"/>
-          </p:cNvSpPr>
-          <p:nvPr>
-            <p:ph idx="1"/>
-          </p:nvPr>
-        </p:nvSpPr>
-        <p:spPr/>
-        <p:txBody>
-          <a:bodyPr/>
-          <a:lstStyle/>
-          <a:p>
-            <a:r>
-              <a:rPr lang="zh-TW" altLang="en-US" smtClean="0"/>
-              <a:t>成績統計應用案例</a:t>
-            </a:r>
-          </a:p>
-        </p:txBody>
-      </p:sp>
-    </p:spTree>
-    <p:extLst>
-      <p:ext uri="{BB962C8B-B14F-4D97-AF65-F5344CB8AC3E}">
-        <p14:creationId xmlns:p14="http://schemas.microsoft.com/office/powerpoint/2010/main" val="721091141"/>
-      </p:ext>
-    </p:extLst>
-  </p:cSld>
-  <p:clrMapOvr>
-    <a:masterClrMapping/>
-  </p:clrMapOvr>
-  <mc:AlternateContent xmlns:mc="http://schemas.openxmlformats.org/markup-compatibility/2006">
-    <mc:Choice xmlns:p14="http://schemas.microsoft.com/office/powerpoint/2010/main" Requires="p14">
-      <p:transition spd="slow" p14:dur="2000"/>
-    </mc:Choice>
-    <mc:Fallback>
-      <p:transition spd="slow"/>
-    </mc:Fallback>
-  </mc:AlternateContent>
-</p:sld>
-</file>
-
-<file path=ppt/slides/slide23.xml><?xml version="1.0" encoding="utf-8"?>
-<p:sld xmlns:a="http://schemas.openxmlformats.org/drawingml/2006/main" xmlns:r="http://schemas.openxmlformats.org/officeDocument/2006/relationships" xmlns:p="http://schemas.openxmlformats.org/presentationml/2006/main">
-  <p:cSld>
-    <p:spTree>
-      <p:nvGrpSpPr>
-        <p:cNvPr id="1" name=""/>
-        <p:cNvGrpSpPr/>
-        <p:nvPr/>
-      </p:nvGrpSpPr>
-      <p:grpSpPr>
-        <a:xfrm>
-          <a:off x="0" y="0"/>
-          <a:ext cx="0" cy="0"/>
-          <a:chOff x="0" y="0"/>
-          <a:chExt cx="0" cy="0"/>
-        </a:xfrm>
-      </p:grpSpPr>
-      <p:sp>
-        <p:nvSpPr>
-          <p:cNvPr id="4" name="標題 3"/>
-          <p:cNvSpPr>
-            <a:spLocks noGrp="1"/>
-          </p:cNvSpPr>
-          <p:nvPr>
-            <p:ph type="title"/>
-          </p:nvPr>
-        </p:nvSpPr>
-        <p:spPr>
-          <a:extLst/>
-        </p:spPr>
-        <p:txBody>
-          <a:bodyPr>
-            <a:normAutofit/>
-          </a:bodyPr>
-          <a:lstStyle/>
-          <a:p>
-            <a:pPr>
-              <a:defRPr/>
-            </a:pPr>
-            <a:r>
-              <a:rPr lang="en-US" altLang="zh-TW" b="1" cap="all" dirty="0" smtClean="0">
-                <a:ln w="9000" cmpd="sng">
-                  <a:solidFill>
-                    <a:schemeClr val="accent4">
-                      <a:shade val="50000"/>
-                      <a:satMod val="120000"/>
-                    </a:schemeClr>
-                  </a:solidFill>
-                  <a:prstDash val="solid"/>
-                </a:ln>
-                <a:gradFill>
-                  <a:gsLst>
-                    <a:gs pos="0">
-                      <a:schemeClr val="accent4">
-                        <a:shade val="20000"/>
-                        <a:satMod val="245000"/>
-                      </a:schemeClr>
-                    </a:gs>
-                    <a:gs pos="43000">
-                      <a:schemeClr val="accent4">
-                        <a:satMod val="255000"/>
-                      </a:schemeClr>
-                    </a:gs>
-                    <a:gs pos="48000">
-                      <a:schemeClr val="accent4">
-                        <a:shade val="85000"/>
-                        <a:satMod val="255000"/>
-                      </a:schemeClr>
-                    </a:gs>
-                    <a:gs pos="100000">
-                      <a:schemeClr val="accent4">
-                        <a:shade val="20000"/>
-                        <a:satMod val="245000"/>
-                      </a:schemeClr>
-                    </a:gs>
-                  </a:gsLst>
-                  <a:lin ang="5400000"/>
-                </a:gradFill>
-                <a:effectLst>
-                  <a:reflection blurRad="12700" stA="28000" endPos="45000" dist="1000" dir="5400000" sy="-100000" algn="bl" rotWithShape="0"/>
-                </a:effectLst>
-              </a:rPr>
-              <a:t> </a:t>
-            </a:r>
-            <a:r>
-              <a:rPr lang="zh-TW" altLang="en-US" b="1" cap="all" dirty="0" smtClean="0">
-                <a:ln w="9000" cmpd="sng">
-                  <a:solidFill>
-                    <a:schemeClr val="accent4">
-                      <a:shade val="50000"/>
-                      <a:satMod val="120000"/>
-                    </a:schemeClr>
-                  </a:solidFill>
-                  <a:prstDash val="solid"/>
-                </a:ln>
-                <a:gradFill>
-                  <a:gsLst>
-                    <a:gs pos="0">
-                      <a:schemeClr val="accent4">
-                        <a:shade val="20000"/>
-                        <a:satMod val="245000"/>
-                      </a:schemeClr>
-                    </a:gs>
-                    <a:gs pos="43000">
-                      <a:schemeClr val="accent4">
-                        <a:satMod val="255000"/>
-                      </a:schemeClr>
-                    </a:gs>
-                    <a:gs pos="48000">
-                      <a:schemeClr val="accent4">
-                        <a:shade val="85000"/>
-                        <a:satMod val="255000"/>
-                      </a:schemeClr>
-                    </a:gs>
-                    <a:gs pos="100000">
-                      <a:schemeClr val="accent4">
-                        <a:shade val="20000"/>
-                        <a:satMod val="245000"/>
-                      </a:schemeClr>
-                    </a:gs>
-                  </a:gsLst>
-                  <a:lin ang="5400000"/>
-                </a:gradFill>
-                <a:effectLst>
-                  <a:reflection blurRad="12700" stA="28000" endPos="45000" dist="1000" dir="5400000" sy="-100000" algn="bl" rotWithShape="0"/>
-                </a:effectLst>
-              </a:rPr>
-              <a:t>程式範例</a:t>
-            </a:r>
-            <a:endParaRPr lang="zh-TW" altLang="en-US" b="1" cap="all" dirty="0">
-              <a:ln w="9000" cmpd="sng">
-                <a:solidFill>
-                  <a:schemeClr val="accent4">
-                    <a:shade val="50000"/>
-                    <a:satMod val="120000"/>
-                  </a:schemeClr>
-                </a:solidFill>
-                <a:prstDash val="solid"/>
-              </a:ln>
-              <a:gradFill>
-                <a:gsLst>
-                  <a:gs pos="0">
-                    <a:schemeClr val="accent4">
-                      <a:shade val="20000"/>
-                      <a:satMod val="245000"/>
-                    </a:schemeClr>
-                  </a:gs>
-                  <a:gs pos="43000">
-                    <a:schemeClr val="accent4">
-                      <a:satMod val="255000"/>
-                    </a:schemeClr>
-                  </a:gs>
-                  <a:gs pos="48000">
-                    <a:schemeClr val="accent4">
-                      <a:shade val="85000"/>
-                      <a:satMod val="255000"/>
-                    </a:schemeClr>
-                  </a:gs>
-                  <a:gs pos="100000">
-                    <a:schemeClr val="accent4">
-                      <a:shade val="20000"/>
-                      <a:satMod val="245000"/>
-                    </a:schemeClr>
-                  </a:gs>
-                </a:gsLst>
-                <a:lin ang="5400000"/>
-              </a:gradFill>
-              <a:effectLst>
-                <a:reflection blurRad="12700" stA="28000" endPos="45000" dist="1000" dir="5400000" sy="-100000" algn="bl" rotWithShape="0"/>
-              </a:effectLst>
-            </a:endParaRPr>
-          </a:p>
-        </p:txBody>
-      </p:sp>
-      <p:sp>
-        <p:nvSpPr>
-          <p:cNvPr id="9219" name="內容版面配置區 4"/>
-          <p:cNvSpPr>
-            <a:spLocks noGrp="1"/>
-          </p:cNvSpPr>
-          <p:nvPr>
-            <p:ph idx="1"/>
-          </p:nvPr>
-        </p:nvSpPr>
-        <p:spPr>
-          <a:xfrm>
-            <a:off x="468313" y="1268413"/>
-            <a:ext cx="8229600" cy="5040312"/>
-          </a:xfrm>
-        </p:spPr>
-        <p:txBody>
-          <a:bodyPr/>
-          <a:lstStyle/>
-          <a:p>
-            <a:pPr>
-              <a:buFont typeface="Wingdings" pitchFamily="2" charset="2"/>
-              <a:buChar char="Ø"/>
-            </a:pPr>
-            <a:r>
-              <a:rPr lang="en-US" altLang="zh-TW" dirty="0" smtClean="0"/>
-              <a:t>ArrayLength.html</a:t>
-            </a:r>
-          </a:p>
-          <a:p>
-            <a:pPr>
-              <a:buFont typeface="Wingdings" pitchFamily="2" charset="2"/>
-              <a:buChar char="Ø"/>
-            </a:pPr>
-            <a:endParaRPr lang="en-US" altLang="zh-TW" dirty="0" smtClean="0"/>
-          </a:p>
-          <a:p>
-            <a:pPr>
-              <a:buFont typeface="Wingdings" pitchFamily="2" charset="2"/>
-              <a:buChar char="Ø"/>
-            </a:pPr>
-            <a:r>
-              <a:rPr lang="en-US" altLang="zh-TW" dirty="0" smtClean="0"/>
-              <a:t>ArrayDataToTable.html</a:t>
-            </a:r>
-          </a:p>
-          <a:p>
-            <a:pPr>
-              <a:buFont typeface="Wingdings" pitchFamily="2" charset="2"/>
-              <a:buChar char="Ø"/>
-            </a:pPr>
-            <a:endParaRPr lang="en-US" altLang="zh-TW" dirty="0"/>
-          </a:p>
-          <a:p>
-            <a:pPr>
-              <a:buFont typeface="Wingdings" pitchFamily="2" charset="2"/>
-              <a:buChar char="Ø"/>
-            </a:pPr>
-            <a:r>
-              <a:rPr lang="en-US" altLang="zh-TW" dirty="0" smtClean="0"/>
-              <a:t>sumOfArray.html</a:t>
-            </a:r>
-          </a:p>
-          <a:p>
-            <a:pPr>
-              <a:buFont typeface="Wingdings" pitchFamily="2" charset="2"/>
-              <a:buChar char="Ø"/>
-            </a:pPr>
-            <a:endParaRPr lang="en-US" altLang="zh-TW" dirty="0" smtClean="0"/>
-          </a:p>
-        </p:txBody>
-      </p:sp>
-    </p:spTree>
-    <p:extLst>
-      <p:ext uri="{BB962C8B-B14F-4D97-AF65-F5344CB8AC3E}">
-        <p14:creationId xmlns:p14="http://schemas.microsoft.com/office/powerpoint/2010/main" val="3993064523"/>
-      </p:ext>
-    </p:extLst>
-  </p:cSld>
-  <p:clrMapOvr>
-    <a:masterClrMapping/>
-  </p:clrMapOvr>
-  <mc:AlternateContent xmlns:mc="http://schemas.openxmlformats.org/markup-compatibility/2006" xmlns:p14="http://schemas.microsoft.com/office/powerpoint/2010/main">
-    <mc:Choice Requires="p14">
-      <p:transition spd="slow" p14:dur="2000"/>
-    </mc:Choice>
-    <mc:Fallback xmlns="">
-      <p:transition spd="slow"/>
-    </mc:Fallback>
-  </mc:AlternateContent>
-  <p:timing>
-    <p:tnLst>
-      <p:par>
-        <p:cTn id="1" dur="indefinite" restart="never" nodeType="tmRoot"/>
-      </p:par>
-    </p:tnLst>
-  </p:timing>
-</p:sld>
-</file>
-
-<file path=ppt/slides/slide24.xml><?xml version="1.0" encoding="utf-8"?>
-<p:sld xmlns:a="http://schemas.openxmlformats.org/drawingml/2006/main" xmlns:r="http://schemas.openxmlformats.org/officeDocument/2006/relationships" xmlns:p="http://schemas.openxmlformats.org/presentationml/2006/main">
-  <p:cSld>
-    <p:spTree>
-      <p:nvGrpSpPr>
-        <p:cNvPr id="1" name=""/>
-        <p:cNvGrpSpPr/>
-        <p:nvPr/>
-      </p:nvGrpSpPr>
-      <p:grpSpPr>
-        <a:xfrm>
-          <a:off x="0" y="0"/>
-          <a:ext cx="0" cy="0"/>
-          <a:chOff x="0" y="0"/>
-          <a:chExt cx="0" cy="0"/>
-        </a:xfrm>
-      </p:grpSpPr>
-      <p:sp>
-        <p:nvSpPr>
-          <p:cNvPr id="4" name="標題 3"/>
-          <p:cNvSpPr>
-            <a:spLocks noGrp="1"/>
-          </p:cNvSpPr>
-          <p:nvPr>
-            <p:ph type="title"/>
-          </p:nvPr>
-        </p:nvSpPr>
-        <p:spPr>
-          <a:extLst/>
-        </p:spPr>
-        <p:txBody>
-          <a:bodyPr>
-            <a:normAutofit/>
-          </a:bodyPr>
-          <a:lstStyle/>
-          <a:p>
-            <a:pPr>
-              <a:defRPr/>
-            </a:pPr>
-            <a:r>
-              <a:rPr lang="en-US" altLang="zh-TW" b="1" cap="all" dirty="0" smtClean="0">
-                <a:ln w="9000" cmpd="sng">
-                  <a:solidFill>
-                    <a:schemeClr val="accent4">
-                      <a:shade val="50000"/>
-                      <a:satMod val="120000"/>
-                    </a:schemeClr>
-                  </a:solidFill>
-                  <a:prstDash val="solid"/>
-                </a:ln>
-                <a:gradFill>
-                  <a:gsLst>
-                    <a:gs pos="0">
-                      <a:schemeClr val="accent4">
-                        <a:shade val="20000"/>
-                        <a:satMod val="245000"/>
-                      </a:schemeClr>
-                    </a:gs>
-                    <a:gs pos="43000">
-                      <a:schemeClr val="accent4">
-                        <a:satMod val="255000"/>
-                      </a:schemeClr>
-                    </a:gs>
-                    <a:gs pos="48000">
-                      <a:schemeClr val="accent4">
-                        <a:shade val="85000"/>
-                        <a:satMod val="255000"/>
-                      </a:schemeClr>
-                    </a:gs>
-                    <a:gs pos="100000">
-                      <a:schemeClr val="accent4">
-                        <a:shade val="20000"/>
-                        <a:satMod val="245000"/>
-                      </a:schemeClr>
-                    </a:gs>
-                  </a:gsLst>
-                  <a:lin ang="5400000"/>
-                </a:gradFill>
-                <a:effectLst>
-                  <a:reflection blurRad="12700" stA="28000" endPos="45000" dist="1000" dir="5400000" sy="-100000" algn="bl" rotWithShape="0"/>
-                </a:effectLst>
-              </a:rPr>
-              <a:t> </a:t>
-            </a:r>
-            <a:r>
-              <a:rPr lang="zh-TW" altLang="en-US" b="1" cap="all" dirty="0" smtClean="0">
-                <a:ln w="9000" cmpd="sng">
-                  <a:solidFill>
-                    <a:schemeClr val="accent4">
-                      <a:shade val="50000"/>
-                      <a:satMod val="120000"/>
-                    </a:schemeClr>
-                  </a:solidFill>
-                  <a:prstDash val="solid"/>
-                </a:ln>
-                <a:gradFill>
-                  <a:gsLst>
-                    <a:gs pos="0">
-                      <a:schemeClr val="accent4">
-                        <a:shade val="20000"/>
-                        <a:satMod val="245000"/>
-                      </a:schemeClr>
-                    </a:gs>
-                    <a:gs pos="43000">
-                      <a:schemeClr val="accent4">
-                        <a:satMod val="255000"/>
-                      </a:schemeClr>
-                    </a:gs>
-                    <a:gs pos="48000">
-                      <a:schemeClr val="accent4">
-                        <a:shade val="85000"/>
-                        <a:satMod val="255000"/>
-                      </a:schemeClr>
-                    </a:gs>
-                    <a:gs pos="100000">
-                      <a:schemeClr val="accent4">
-                        <a:shade val="20000"/>
-                        <a:satMod val="245000"/>
-                      </a:schemeClr>
-                    </a:gs>
-                  </a:gsLst>
-                  <a:lin ang="5400000"/>
-                </a:gradFill>
-                <a:effectLst>
-                  <a:reflection blurRad="12700" stA="28000" endPos="45000" dist="1000" dir="5400000" sy="-100000" algn="bl" rotWithShape="0"/>
-                </a:effectLst>
-              </a:rPr>
-              <a:t>練習</a:t>
-            </a:r>
-            <a:endParaRPr lang="zh-TW" altLang="en-US" b="1" cap="all" dirty="0">
-              <a:ln w="9000" cmpd="sng">
-                <a:solidFill>
-                  <a:schemeClr val="accent4">
-                    <a:shade val="50000"/>
-                    <a:satMod val="120000"/>
-                  </a:schemeClr>
-                </a:solidFill>
-                <a:prstDash val="solid"/>
-              </a:ln>
-              <a:gradFill>
-                <a:gsLst>
-                  <a:gs pos="0">
-                    <a:schemeClr val="accent4">
-                      <a:shade val="20000"/>
-                      <a:satMod val="245000"/>
-                    </a:schemeClr>
-                  </a:gs>
-                  <a:gs pos="43000">
-                    <a:schemeClr val="accent4">
-                      <a:satMod val="255000"/>
-                    </a:schemeClr>
-                  </a:gs>
-                  <a:gs pos="48000">
-                    <a:schemeClr val="accent4">
-                      <a:shade val="85000"/>
-                      <a:satMod val="255000"/>
-                    </a:schemeClr>
-                  </a:gs>
-                  <a:gs pos="100000">
-                    <a:schemeClr val="accent4">
-                      <a:shade val="20000"/>
-                      <a:satMod val="245000"/>
-                    </a:schemeClr>
-                  </a:gs>
-                </a:gsLst>
-                <a:lin ang="5400000"/>
-              </a:gradFill>
-              <a:effectLst>
-                <a:reflection blurRad="12700" stA="28000" endPos="45000" dist="1000" dir="5400000" sy="-100000" algn="bl" rotWithShape="0"/>
-              </a:effectLst>
-            </a:endParaRPr>
-          </a:p>
-        </p:txBody>
-      </p:sp>
-      <p:sp>
-        <p:nvSpPr>
-          <p:cNvPr id="9219" name="內容版面配置區 4"/>
-          <p:cNvSpPr>
-            <a:spLocks noGrp="1"/>
-          </p:cNvSpPr>
-          <p:nvPr>
-            <p:ph idx="1"/>
-          </p:nvPr>
-        </p:nvSpPr>
-        <p:spPr>
-          <a:xfrm>
-            <a:off x="468313" y="1916831"/>
-            <a:ext cx="8229600" cy="4391893"/>
-          </a:xfrm>
-        </p:spPr>
-        <p:txBody>
-          <a:bodyPr/>
-          <a:lstStyle/>
-          <a:p>
-            <a:pPr>
-              <a:buFont typeface="Wingdings" pitchFamily="2" charset="2"/>
-              <a:buChar char="Ø"/>
-            </a:pPr>
-            <a:r>
-              <a:rPr lang="zh-TW" altLang="en-US" dirty="0" smtClean="0"/>
-              <a:t>將資料設定</a:t>
-            </a:r>
-            <a:r>
-              <a:rPr lang="en-US" altLang="zh-TW" dirty="0" smtClean="0"/>
-              <a:t>(</a:t>
-            </a:r>
-            <a:r>
-              <a:rPr lang="zh-TW" altLang="en-US" dirty="0" smtClean="0"/>
-              <a:t>或讀入</a:t>
-            </a:r>
-            <a:r>
-              <a:rPr lang="en-US" altLang="zh-TW" dirty="0" smtClean="0"/>
-              <a:t>)</a:t>
-            </a:r>
-            <a:r>
-              <a:rPr lang="zh-TW" altLang="en-US" dirty="0" smtClean="0"/>
-              <a:t>二維陣列當中</a:t>
-            </a:r>
-            <a:endParaRPr lang="en-US" altLang="zh-TW" dirty="0" smtClean="0"/>
-          </a:p>
-          <a:p>
-            <a:pPr>
-              <a:buFont typeface="Wingdings" pitchFamily="2" charset="2"/>
-              <a:buChar char="Ø"/>
-            </a:pPr>
-            <a:r>
-              <a:rPr lang="zh-TW" altLang="en-US" dirty="0"/>
-              <a:t>使用迴</a:t>
-            </a:r>
-            <a:r>
-              <a:rPr lang="zh-TW" altLang="en-US" dirty="0" smtClean="0"/>
-              <a:t>圈、陣列、數值運算等指令，進行資料處理</a:t>
-            </a:r>
-            <a:endParaRPr lang="en-US" altLang="zh-TW" dirty="0" smtClean="0"/>
-          </a:p>
-          <a:p>
-            <a:pPr lvl="1">
-              <a:buFont typeface="Wingdings" pitchFamily="2" charset="2"/>
-              <a:buChar char="Ø"/>
-            </a:pPr>
-            <a:r>
-              <a:rPr lang="zh-TW" altLang="en-US" dirty="0" smtClean="0"/>
-              <a:t>例如</a:t>
-            </a:r>
-            <a:r>
-              <a:rPr lang="en-US" altLang="zh-TW" dirty="0" smtClean="0"/>
-              <a:t>:</a:t>
-            </a:r>
-            <a:r>
-              <a:rPr lang="zh-TW" altLang="en-US" dirty="0" smtClean="0"/>
-              <a:t>算總和、算平均</a:t>
-            </a:r>
-            <a:endParaRPr lang="en-US" altLang="zh-TW" dirty="0" smtClean="0"/>
-          </a:p>
-          <a:p>
-            <a:pPr>
-              <a:buFont typeface="Wingdings" pitchFamily="2" charset="2"/>
-              <a:buChar char="Ø"/>
-            </a:pPr>
-            <a:r>
-              <a:rPr lang="zh-TW" altLang="en-US" dirty="0" smtClean="0"/>
-              <a:t>呈現陣列</a:t>
-            </a:r>
-            <a:r>
-              <a:rPr lang="zh-TW" altLang="en-US" dirty="0"/>
-              <a:t>內容及計算</a:t>
-            </a:r>
-            <a:r>
-              <a:rPr lang="zh-TW" altLang="en-US" dirty="0" smtClean="0"/>
-              <a:t>結果</a:t>
-            </a:r>
-            <a:endParaRPr lang="en-US" altLang="zh-TW" dirty="0" smtClean="0"/>
-          </a:p>
-          <a:p>
-            <a:pPr lvl="1">
-              <a:buFont typeface="Wingdings" pitchFamily="2" charset="2"/>
-              <a:buChar char="Ø"/>
-            </a:pPr>
-            <a:r>
-              <a:rPr lang="zh-TW" altLang="en-US" dirty="0"/>
-              <a:t>如</a:t>
-            </a:r>
-            <a:r>
-              <a:rPr lang="zh-TW" altLang="en-US" dirty="0" smtClean="0"/>
-              <a:t>套 </a:t>
-            </a:r>
-            <a:r>
-              <a:rPr lang="en-US" altLang="zh-TW" dirty="0" smtClean="0"/>
-              <a:t>HTML</a:t>
-            </a:r>
-            <a:r>
-              <a:rPr lang="zh-TW" altLang="en-US" dirty="0" smtClean="0"/>
-              <a:t> </a:t>
-            </a:r>
-            <a:r>
-              <a:rPr lang="en-US" altLang="zh-TW" dirty="0" smtClean="0"/>
-              <a:t>table </a:t>
-            </a:r>
-            <a:r>
-              <a:rPr lang="zh-TW" altLang="en-US" dirty="0" smtClean="0"/>
-              <a:t>呈現結果</a:t>
-            </a:r>
-            <a:endParaRPr lang="en-US" altLang="zh-TW" dirty="0" smtClean="0"/>
-          </a:p>
-          <a:p>
-            <a:pPr>
-              <a:buFont typeface="Wingdings" pitchFamily="2" charset="2"/>
-              <a:buChar char="Ø"/>
-            </a:pPr>
-            <a:endParaRPr lang="en-US" altLang="zh-TW" dirty="0" smtClean="0"/>
-          </a:p>
-        </p:txBody>
-      </p:sp>
-    </p:spTree>
-    <p:extLst>
-      <p:ext uri="{BB962C8B-B14F-4D97-AF65-F5344CB8AC3E}">
-        <p14:creationId xmlns:p14="http://schemas.microsoft.com/office/powerpoint/2010/main" val="4121785081"/>
       </p:ext>
     </p:extLst>
   </p:cSld>
@@ -12234,7 +8541,6 @@
               <a:rPr lang="zh-TW" altLang="en-US" dirty="0" smtClean="0"/>
               <a:t>簡介</a:t>
             </a:r>
-            <a:endParaRPr lang="zh-TW" altLang="en-US" dirty="0" smtClean="0"/>
           </a:p>
         </p:txBody>
       </p:sp>
@@ -12321,11 +8627,7 @@
             </a:pPr>
             <a:r>
               <a:rPr lang="en-US" altLang="zh-TW" dirty="0" smtClean="0"/>
-              <a:t>cars[1]="March</a:t>
-            </a:r>
-            <a:r>
-              <a:rPr lang="en-US" altLang="zh-TW" dirty="0" smtClean="0"/>
-              <a:t>";</a:t>
+              <a:t>cars[1]="March";</a:t>
             </a:r>
             <a:r>
               <a:rPr lang="zh-TW" altLang="en-US" dirty="0" smtClean="0"/>
@@ -12343,7 +8645,6 @@
               <a:rPr lang="en-US" altLang="zh-TW" dirty="0" smtClean="0"/>
               <a:t>array </a:t>
             </a:r>
-            <a:endParaRPr lang="en-US" altLang="zh-TW" dirty="0" smtClean="0"/>
           </a:p>
           <a:p>
             <a:pPr marL="400050" lvl="1" indent="0">
@@ -12406,11 +8707,11 @@
   <p:clrMapOvr>
     <a:masterClrMapping/>
   </p:clrMapOvr>
-  <mc:AlternateContent xmlns:mc="http://schemas.openxmlformats.org/markup-compatibility/2006">
-    <mc:Choice xmlns:p14="http://schemas.microsoft.com/office/powerpoint/2010/main" Requires="p14">
+  <mc:AlternateContent xmlns:mc="http://schemas.openxmlformats.org/markup-compatibility/2006" xmlns:p14="http://schemas.microsoft.com/office/powerpoint/2010/main">
+    <mc:Choice Requires="p14">
       <p:transition spd="slow" p14:dur="2000"/>
     </mc:Choice>
-    <mc:Fallback>
+    <mc:Fallback xmlns="">
       <p:transition spd="slow"/>
     </mc:Fallback>
   </mc:AlternateContent>
@@ -13251,52 +9552,7 @@
                   <a:reflection blurRad="12700" stA="28000" endPos="45000" dist="1000" dir="5400000" sy="-100000" algn="bl" rotWithShape="0"/>
                 </a:effectLst>
               </a:rPr>
-              <a:t> </a:t>
-            </a:r>
-            <a:r>
-              <a:rPr lang="en-US" altLang="zh-TW" b="1" cap="all" dirty="0" smtClean="0">
-                <a:ln w="9000" cmpd="sng">
-                  <a:solidFill>
-                    <a:schemeClr val="accent4">
-                      <a:shade val="50000"/>
-                      <a:satMod val="120000"/>
-                    </a:schemeClr>
-                  </a:solidFill>
-                  <a:prstDash val="solid"/>
-                </a:ln>
-                <a:gradFill>
-                  <a:gsLst>
-                    <a:gs pos="0">
-                      <a:schemeClr val="accent4">
-                        <a:shade val="20000"/>
-                        <a:satMod val="245000"/>
-                      </a:schemeClr>
-                    </a:gs>
-                    <a:gs pos="43000">
-                      <a:schemeClr val="accent4">
-                        <a:satMod val="255000"/>
-                      </a:schemeClr>
-                    </a:gs>
-                    <a:gs pos="48000">
-                      <a:schemeClr val="accent4">
-                        <a:shade val="85000"/>
-                        <a:satMod val="255000"/>
-                      </a:schemeClr>
-                    </a:gs>
-                    <a:gs pos="100000">
-                      <a:schemeClr val="accent4">
-                        <a:shade val="20000"/>
-                        <a:satMod val="245000"/>
-                      </a:schemeClr>
-                    </a:gs>
-                  </a:gsLst>
-                  <a:lin ang="5400000"/>
-                </a:gradFill>
-                <a:effectLst>
-                  <a:reflection blurRad="12700" stA="28000" endPos="45000" dist="1000" dir="5400000" sy="-100000" algn="bl" rotWithShape="0"/>
-                </a:effectLst>
-              </a:rPr>
-              <a:t>Array</a:t>
+              <a:t> Array</a:t>
             </a:r>
             <a:r>
               <a:rPr lang="zh-TW" altLang="en-US" b="1" cap="all" dirty="0" smtClean="0">
@@ -13892,13 +10148,8 @@
             </a:r>
             <a:r>
               <a:rPr lang="en-US" altLang="zh-TW" dirty="0" smtClean="0"/>
-              <a:t> colors = ["Red", "Green", "Blue</a:t>
-            </a:r>
-            <a:r>
-              <a:rPr lang="en-US" altLang="zh-TW" dirty="0" smtClean="0"/>
-              <a:t>"];  //string</a:t>
-            </a:r>
-            <a:endParaRPr lang="en-US" altLang="zh-TW" dirty="0" smtClean="0"/>
+              <a:t> colors = ["Red", "Green", "Blue"];  //string</a:t>
+            </a:r>
           </a:p>
           <a:p>
             <a:pPr lvl="1">
@@ -13919,13 +10170,8 @@
             </a:r>
             <a:r>
               <a:rPr lang="en-US" altLang="zh-TW" dirty="0" smtClean="0"/>
-              <a:t>= [1,2,3</a:t>
-            </a:r>
-            <a:r>
-              <a:rPr lang="en-US" altLang="zh-TW" dirty="0" smtClean="0"/>
-              <a:t>]; // integer</a:t>
-            </a:r>
-            <a:endParaRPr lang="en-US" altLang="zh-TW" dirty="0" smtClean="0"/>
+              <a:t>= [1,2,3]; // integer</a:t>
+            </a:r>
           </a:p>
           <a:p>
             <a:pPr lvl="1">
@@ -13938,21 +10184,8 @@
             </a:r>
             <a:r>
               <a:rPr lang="en-US" altLang="zh-TW" dirty="0" smtClean="0"/>
-              <a:t> patient </a:t>
-            </a:r>
-            <a:r>
-              <a:rPr lang="en-US" altLang="zh-TW" dirty="0" smtClean="0"/>
-              <a:t>=["Jack", </a:t>
-            </a:r>
-            <a:r>
-              <a:rPr lang="en-US" altLang="zh-TW" dirty="0" smtClean="0"/>
-              <a:t>40, 0</a:t>
-            </a:r>
-            <a:r>
-              <a:rPr lang="en-US" altLang="zh-TW" dirty="0" smtClean="0"/>
-              <a:t>];  // string and integer</a:t>
-            </a:r>
-            <a:endParaRPr lang="en-US" altLang="zh-TW" dirty="0" smtClean="0"/>
+              <a:t> patient =["Jack", 40, 0];  // string and integer</a:t>
+            </a:r>
           </a:p>
           <a:p>
             <a:pPr lvl="2">
@@ -13981,15 +10214,7 @@
                   <a:srgbClr val="FF0000"/>
                 </a:solidFill>
               </a:rPr>
-              <a:t>陣列</a:t>
-            </a:r>
-            <a:r>
-              <a:rPr lang="zh-TW" altLang="en-US" b="1" dirty="0" smtClean="0">
-                <a:solidFill>
-                  <a:srgbClr val="FF0000"/>
-                </a:solidFill>
-              </a:rPr>
-              <a:t>當中可給定不同型態之變數</a:t>
+              <a:t>陣列當中可給定不同型態之變數</a:t>
             </a:r>
             <a:r>
               <a:rPr lang="en-US" altLang="zh-TW" b="1" dirty="0" smtClean="0">
@@ -14047,11 +10272,11 @@
   <p:clrMapOvr>
     <a:masterClrMapping/>
   </p:clrMapOvr>
-  <mc:AlternateContent xmlns:mc="http://schemas.openxmlformats.org/markup-compatibility/2006">
-    <mc:Choice xmlns:p14="http://schemas.microsoft.com/office/powerpoint/2010/main" Requires="p14">
+  <mc:AlternateContent xmlns:mc="http://schemas.openxmlformats.org/markup-compatibility/2006" xmlns:p14="http://schemas.microsoft.com/office/powerpoint/2010/main">
+    <mc:Choice Requires="p14">
       <p:transition spd="slow" p14:dur="2000"/>
     </mc:Choice>
-    <mc:Fallback>
+    <mc:Fallback xmlns="">
       <p:transition spd="slow"/>
     </mc:Fallback>
   </mc:AlternateContent>
@@ -14147,52 +10372,7 @@
                   <a:reflection blurRad="12700" stA="28000" endPos="45000" dist="1000" dir="5400000" sy="-100000" algn="bl" rotWithShape="0"/>
                 </a:effectLst>
               </a:rPr>
-              <a:t>JS</a:t>
-            </a:r>
-            <a:r>
-              <a:rPr lang="en-US" altLang="zh-TW" b="1" cap="all" dirty="0" smtClean="0">
-                <a:ln w="9000" cmpd="sng">
-                  <a:solidFill>
-                    <a:schemeClr val="accent4">
-                      <a:shade val="50000"/>
-                      <a:satMod val="120000"/>
-                    </a:schemeClr>
-                  </a:solidFill>
-                  <a:prstDash val="solid"/>
-                </a:ln>
-                <a:gradFill>
-                  <a:gsLst>
-                    <a:gs pos="0">
-                      <a:schemeClr val="accent4">
-                        <a:shade val="20000"/>
-                        <a:satMod val="245000"/>
-                      </a:schemeClr>
-                    </a:gs>
-                    <a:gs pos="43000">
-                      <a:schemeClr val="accent4">
-                        <a:satMod val="255000"/>
-                      </a:schemeClr>
-                    </a:gs>
-                    <a:gs pos="48000">
-                      <a:schemeClr val="accent4">
-                        <a:shade val="85000"/>
-                        <a:satMod val="255000"/>
-                      </a:schemeClr>
-                    </a:gs>
-                    <a:gs pos="100000">
-                      <a:schemeClr val="accent4">
-                        <a:shade val="20000"/>
-                        <a:satMod val="245000"/>
-                      </a:schemeClr>
-                    </a:gs>
-                  </a:gsLst>
-                  <a:lin ang="5400000"/>
-                </a:gradFill>
-                <a:effectLst>
-                  <a:reflection blurRad="12700" stA="28000" endPos="45000" dist="1000" dir="5400000" sy="-100000" algn="bl" rotWithShape="0"/>
-                </a:effectLst>
-              </a:rPr>
-              <a:t> Array </a:t>
+              <a:t>JS Array </a:t>
             </a:r>
             <a:r>
               <a:rPr lang="zh-TW" altLang="en-US" b="1" cap="all" dirty="0" smtClean="0">
@@ -14479,11 +10659,11 @@
   <p:clrMapOvr>
     <a:masterClrMapping/>
   </p:clrMapOvr>
-  <mc:AlternateContent xmlns:mc="http://schemas.openxmlformats.org/markup-compatibility/2006">
-    <mc:Choice xmlns:p14="http://schemas.microsoft.com/office/powerpoint/2010/main" Requires="p14">
+  <mc:AlternateContent xmlns:mc="http://schemas.openxmlformats.org/markup-compatibility/2006" xmlns:p14="http://schemas.microsoft.com/office/powerpoint/2010/main">
+    <mc:Choice Requires="p14">
       <p:transition spd="slow" p14:dur="2000"/>
     </mc:Choice>
-    <mc:Fallback>
+    <mc:Fallback xmlns="">
       <p:transition spd="slow"/>
     </mc:Fallback>
   </mc:AlternateContent>
@@ -14579,52 +10759,7 @@
                   <a:reflection blurRad="12700" stA="28000" endPos="45000" dist="1000" dir="5400000" sy="-100000" algn="bl" rotWithShape="0"/>
                 </a:effectLst>
               </a:rPr>
-              <a:t>JS</a:t>
-            </a:r>
-            <a:r>
-              <a:rPr lang="en-US" altLang="zh-TW" b="1" cap="all" dirty="0" smtClean="0">
-                <a:ln w="9000" cmpd="sng">
-                  <a:solidFill>
-                    <a:schemeClr val="accent4">
-                      <a:shade val="50000"/>
-                      <a:satMod val="120000"/>
-                    </a:schemeClr>
-                  </a:solidFill>
-                  <a:prstDash val="solid"/>
-                </a:ln>
-                <a:gradFill>
-                  <a:gsLst>
-                    <a:gs pos="0">
-                      <a:schemeClr val="accent4">
-                        <a:shade val="20000"/>
-                        <a:satMod val="245000"/>
-                      </a:schemeClr>
-                    </a:gs>
-                    <a:gs pos="43000">
-                      <a:schemeClr val="accent4">
-                        <a:satMod val="255000"/>
-                      </a:schemeClr>
-                    </a:gs>
-                    <a:gs pos="48000">
-                      <a:schemeClr val="accent4">
-                        <a:shade val="85000"/>
-                        <a:satMod val="255000"/>
-                      </a:schemeClr>
-                    </a:gs>
-                    <a:gs pos="100000">
-                      <a:schemeClr val="accent4">
-                        <a:shade val="20000"/>
-                        <a:satMod val="245000"/>
-                      </a:schemeClr>
-                    </a:gs>
-                  </a:gsLst>
-                  <a:lin ang="5400000"/>
-                </a:gradFill>
-                <a:effectLst>
-                  <a:reflection blurRad="12700" stA="28000" endPos="45000" dist="1000" dir="5400000" sy="-100000" algn="bl" rotWithShape="0"/>
-                </a:effectLst>
-              </a:rPr>
-              <a:t> Array </a:t>
+              <a:t>JS Array </a:t>
             </a:r>
             <a:r>
               <a:rPr lang="zh-TW" altLang="en-US" b="1" cap="all" dirty="0" smtClean="0">
@@ -14953,11 +11088,11 @@
   <p:clrMapOvr>
     <a:masterClrMapping/>
   </p:clrMapOvr>
-  <mc:AlternateContent xmlns:mc="http://schemas.openxmlformats.org/markup-compatibility/2006">
-    <mc:Choice xmlns:p14="http://schemas.microsoft.com/office/powerpoint/2010/main" Requires="p14">
+  <mc:AlternateContent xmlns:mc="http://schemas.openxmlformats.org/markup-compatibility/2006" xmlns:p14="http://schemas.microsoft.com/office/powerpoint/2010/main">
+    <mc:Choice Requires="p14">
       <p:transition spd="slow" p14:dur="2000"/>
     </mc:Choice>
-    <mc:Fallback>
+    <mc:Fallback xmlns="">
       <p:transition spd="slow"/>
     </mc:Fallback>
   </mc:AlternateContent>
@@ -15345,11 +11480,11 @@
   <p:clrMapOvr>
     <a:masterClrMapping/>
   </p:clrMapOvr>
-  <mc:AlternateContent xmlns:mc="http://schemas.openxmlformats.org/markup-compatibility/2006">
-    <mc:Choice xmlns:p14="http://schemas.microsoft.com/office/powerpoint/2010/main" Requires="p14">
+  <mc:AlternateContent xmlns:mc="http://schemas.openxmlformats.org/markup-compatibility/2006" xmlns:p14="http://schemas.microsoft.com/office/powerpoint/2010/main">
+    <mc:Choice Requires="p14">
       <p:transition spd="slow" p14:dur="2000"/>
     </mc:Choice>
-    <mc:Fallback>
+    <mc:Fallback xmlns="">
       <p:transition spd="slow"/>
     </mc:Fallback>
   </mc:AlternateContent>
@@ -15445,52 +11580,7 @@
                   <a:reflection blurRad="12700" stA="28000" endPos="45000" dist="1000" dir="5400000" sy="-100000" algn="bl" rotWithShape="0"/>
                 </a:effectLst>
               </a:rPr>
-              <a:t>JS</a:t>
-            </a:r>
-            <a:r>
-              <a:rPr lang="en-US" altLang="zh-TW" b="1" cap="all" dirty="0" smtClean="0">
-                <a:ln w="9000" cmpd="sng">
-                  <a:solidFill>
-                    <a:schemeClr val="accent4">
-                      <a:shade val="50000"/>
-                      <a:satMod val="120000"/>
-                    </a:schemeClr>
-                  </a:solidFill>
-                  <a:prstDash val="solid"/>
-                </a:ln>
-                <a:gradFill>
-                  <a:gsLst>
-                    <a:gs pos="0">
-                      <a:schemeClr val="accent4">
-                        <a:shade val="20000"/>
-                        <a:satMod val="245000"/>
-                      </a:schemeClr>
-                    </a:gs>
-                    <a:gs pos="43000">
-                      <a:schemeClr val="accent4">
-                        <a:satMod val="255000"/>
-                      </a:schemeClr>
-                    </a:gs>
-                    <a:gs pos="48000">
-                      <a:schemeClr val="accent4">
-                        <a:shade val="85000"/>
-                        <a:satMod val="255000"/>
-                      </a:schemeClr>
-                    </a:gs>
-                    <a:gs pos="100000">
-                      <a:schemeClr val="accent4">
-                        <a:shade val="20000"/>
-                        <a:satMod val="245000"/>
-                      </a:schemeClr>
-                    </a:gs>
-                  </a:gsLst>
-                  <a:lin ang="5400000"/>
-                </a:gradFill>
-                <a:effectLst>
-                  <a:reflection blurRad="12700" stA="28000" endPos="45000" dist="1000" dir="5400000" sy="-100000" algn="bl" rotWithShape="0"/>
-                </a:effectLst>
-              </a:rPr>
-              <a:t> Array </a:t>
+              <a:t>JS Array </a:t>
             </a:r>
             <a:r>
               <a:rPr lang="zh-TW" altLang="en-US" b="1" cap="all" dirty="0">
@@ -15580,52 +11670,7 @@
                   <a:reflection blurRad="12700" stA="28000" endPos="45000" dist="1000" dir="5400000" sy="-100000" algn="bl" rotWithShape="0"/>
                 </a:effectLst>
               </a:rPr>
-              <a:t>方法</a:t>
-            </a:r>
-            <a:r>
-              <a:rPr lang="zh-TW" altLang="en-US" b="1" cap="all" dirty="0" smtClean="0">
-                <a:ln w="9000" cmpd="sng">
-                  <a:solidFill>
-                    <a:schemeClr val="accent4">
-                      <a:shade val="50000"/>
-                      <a:satMod val="120000"/>
-                    </a:schemeClr>
-                  </a:solidFill>
-                  <a:prstDash val="solid"/>
-                </a:ln>
-                <a:gradFill>
-                  <a:gsLst>
-                    <a:gs pos="0">
-                      <a:schemeClr val="accent4">
-                        <a:shade val="20000"/>
-                        <a:satMod val="245000"/>
-                      </a:schemeClr>
-                    </a:gs>
-                    <a:gs pos="43000">
-                      <a:schemeClr val="accent4">
-                        <a:satMod val="255000"/>
-                      </a:schemeClr>
-                    </a:gs>
-                    <a:gs pos="48000">
-                      <a:schemeClr val="accent4">
-                        <a:shade val="85000"/>
-                        <a:satMod val="255000"/>
-                      </a:schemeClr>
-                    </a:gs>
-                    <a:gs pos="100000">
-                      <a:schemeClr val="accent4">
-                        <a:shade val="20000"/>
-                        <a:satMod val="245000"/>
-                      </a:schemeClr>
-                    </a:gs>
-                  </a:gsLst>
-                  <a:lin ang="5400000"/>
-                </a:gradFill>
-                <a:effectLst>
-                  <a:reflection blurRad="12700" stA="28000" endPos="45000" dist="1000" dir="5400000" sy="-100000" algn="bl" rotWithShape="0"/>
-                </a:effectLst>
-              </a:rPr>
-              <a:t>與屬性</a:t>
+              <a:t>方法與屬性</a:t>
             </a:r>
             <a:endParaRPr lang="zh-TW" altLang="en-US" b="1" cap="all" dirty="0">
               <a:ln w="9000" cmpd="sng">
@@ -15828,7 +11873,6 @@
               <a:rPr lang="en-US" altLang="zh-TW" dirty="0" smtClean="0"/>
               <a:t>alert(colors[Length]); </a:t>
             </a:r>
-            <a:endParaRPr lang="en-US" altLang="zh-TW" dirty="0" smtClean="0"/>
           </a:p>
         </p:txBody>
       </p:sp>
@@ -15842,11 +11886,11 @@
   <p:clrMapOvr>
     <a:masterClrMapping/>
   </p:clrMapOvr>
-  <mc:AlternateContent xmlns:mc="http://schemas.openxmlformats.org/markup-compatibility/2006">
-    <mc:Choice xmlns:p14="http://schemas.microsoft.com/office/powerpoint/2010/main" Requires="p14">
+  <mc:AlternateContent xmlns:mc="http://schemas.openxmlformats.org/markup-compatibility/2006" xmlns:p14="http://schemas.microsoft.com/office/powerpoint/2010/main">
+    <mc:Choice Requires="p14">
       <p:transition spd="slow" p14:dur="2000"/>
     </mc:Choice>
-    <mc:Fallback>
+    <mc:Fallback xmlns="">
       <p:transition spd="slow"/>
     </mc:Fallback>
   </mc:AlternateContent>
